--- a/documentation/images/kyma-diagrams-focus-components.pptx
+++ b/documentation/images/kyma-diagrams-focus-components.pptx
@@ -3,17 +3,18 @@
 <p:presentation xmlns:a="http://schemas.openxmlformats.org/drawingml/2006/main" xmlns:r="http://schemas.openxmlformats.org/officeDocument/2006/relationships" xmlns:p="http://schemas.openxmlformats.org/presentationml/2006/main" saveSubsetFonts="1" autoCompressPictures="0">
   <p:sldMasterIdLst>
     <p:sldMasterId id="2147483648" r:id="rId1"/>
+    <p:sldMasterId id="2147483660" r:id="rId2"/>
   </p:sldMasterIdLst>
   <p:sldIdLst>
-    <p:sldId id="256" r:id="rId2"/>
-    <p:sldId id="257" r:id="rId3"/>
-    <p:sldId id="258" r:id="rId4"/>
-    <p:sldId id="259" r:id="rId5"/>
-    <p:sldId id="260" r:id="rId6"/>
-    <p:sldId id="261" r:id="rId7"/>
-    <p:sldId id="262" r:id="rId8"/>
-    <p:sldId id="263" r:id="rId9"/>
-    <p:sldId id="264" r:id="rId10"/>
+    <p:sldId id="256" r:id="rId3"/>
+    <p:sldId id="257" r:id="rId4"/>
+    <p:sldId id="258" r:id="rId5"/>
+    <p:sldId id="259" r:id="rId6"/>
+    <p:sldId id="260" r:id="rId7"/>
+    <p:sldId id="261" r:id="rId8"/>
+    <p:sldId id="262" r:id="rId9"/>
+    <p:sldId id="263" r:id="rId10"/>
+    <p:sldId id="264" r:id="rId11"/>
   </p:sldIdLst>
   <p:sldSz cx="12192000" cy="6858000"/>
   <p:notesSz cx="6858000" cy="9144000"/>
@@ -269,7 +270,7 @@
           <a:p>
             <a:fld id="{11055433-DDDA-1147-A71A-BE0AE55CB161}" type="datetimeFigureOut">
               <a:rPr lang="en-DE" smtClean="0"/>
-              <a:t>22.10.21</a:t>
+              <a:t>16/02/2023</a:t>
             </a:fld>
             <a:endParaRPr lang="en-DE"/>
           </a:p>
@@ -469,7 +470,7 @@
           <a:p>
             <a:fld id="{11055433-DDDA-1147-A71A-BE0AE55CB161}" type="datetimeFigureOut">
               <a:rPr lang="en-DE" smtClean="0"/>
-              <a:t>22.10.21</a:t>
+              <a:t>16/02/2023</a:t>
             </a:fld>
             <a:endParaRPr lang="en-DE"/>
           </a:p>
@@ -679,7 +680,7 @@
           <a:p>
             <a:fld id="{11055433-DDDA-1147-A71A-BE0AE55CB161}" type="datetimeFigureOut">
               <a:rPr lang="en-DE" smtClean="0"/>
-              <a:t>22.10.21</a:t>
+              <a:t>16/02/2023</a:t>
             </a:fld>
             <a:endParaRPr lang="en-DE"/>
           </a:p>
@@ -743,6 +744,1955 @@
     <p:extLst>
       <p:ext uri="{BB962C8B-B14F-4D97-AF65-F5344CB8AC3E}">
         <p14:creationId xmlns:p14="http://schemas.microsoft.com/office/powerpoint/2010/main" val="2236285805"/>
+      </p:ext>
+    </p:extLst>
+  </p:cSld>
+  <p:clrMapOvr>
+    <a:masterClrMapping/>
+  </p:clrMapOvr>
+</p:sldLayout>
+</file>
+
+<file path=ppt/slideLayouts/slideLayout12.xml><?xml version="1.0" encoding="utf-8"?>
+<p:sldLayout xmlns:a="http://schemas.openxmlformats.org/drawingml/2006/main" xmlns:r="http://schemas.openxmlformats.org/officeDocument/2006/relationships" xmlns:p="http://schemas.openxmlformats.org/presentationml/2006/main" type="title" preserve="1">
+  <p:cSld name="Title Slide">
+    <p:spTree>
+      <p:nvGrpSpPr>
+        <p:cNvPr id="1" name=""/>
+        <p:cNvGrpSpPr/>
+        <p:nvPr/>
+      </p:nvGrpSpPr>
+      <p:grpSpPr>
+        <a:xfrm>
+          <a:off x="0" y="0"/>
+          <a:ext cx="0" cy="0"/>
+          <a:chOff x="0" y="0"/>
+          <a:chExt cx="0" cy="0"/>
+        </a:xfrm>
+      </p:grpSpPr>
+      <p:sp>
+        <p:nvSpPr>
+          <p:cNvPr id="2" name="Title 1">
+            <a:extLst>
+              <a:ext uri="{FF2B5EF4-FFF2-40B4-BE49-F238E27FC236}">
+                <a16:creationId xmlns:a16="http://schemas.microsoft.com/office/drawing/2014/main" id="{621F3A62-68AA-4596-831A-A84ECEC6B79C}"/>
+              </a:ext>
+            </a:extLst>
+          </p:cNvPr>
+          <p:cNvSpPr>
+            <a:spLocks noGrp="1"/>
+          </p:cNvSpPr>
+          <p:nvPr>
+            <p:ph type="ctrTitle"/>
+          </p:nvPr>
+        </p:nvSpPr>
+        <p:spPr>
+          <a:xfrm>
+            <a:off x="1524000" y="1122363"/>
+            <a:ext cx="9144000" cy="2387600"/>
+          </a:xfrm>
+        </p:spPr>
+        <p:txBody>
+          <a:bodyPr anchor="b"/>
+          <a:lstStyle>
+            <a:lvl1pPr algn="ctr">
+              <a:defRPr sz="6000"/>
+            </a:lvl1pPr>
+          </a:lstStyle>
+          <a:p>
+            <a:r>
+              <a:rPr lang="en-US"/>
+              <a:t>Click to edit Master title style</a:t>
+            </a:r>
+            <a:endParaRPr lang="de-DE"/>
+          </a:p>
+        </p:txBody>
+      </p:sp>
+      <p:sp>
+        <p:nvSpPr>
+          <p:cNvPr id="3" name="Subtitle 2">
+            <a:extLst>
+              <a:ext uri="{FF2B5EF4-FFF2-40B4-BE49-F238E27FC236}">
+                <a16:creationId xmlns:a16="http://schemas.microsoft.com/office/drawing/2014/main" id="{CDDA5ABB-DDAF-4B61-B04B-80DEBD994972}"/>
+              </a:ext>
+            </a:extLst>
+          </p:cNvPr>
+          <p:cNvSpPr>
+            <a:spLocks noGrp="1"/>
+          </p:cNvSpPr>
+          <p:nvPr>
+            <p:ph type="subTitle" idx="1"/>
+          </p:nvPr>
+        </p:nvSpPr>
+        <p:spPr>
+          <a:xfrm>
+            <a:off x="1524000" y="3602038"/>
+            <a:ext cx="9144000" cy="1655762"/>
+          </a:xfrm>
+        </p:spPr>
+        <p:txBody>
+          <a:bodyPr/>
+          <a:lstStyle>
+            <a:lvl1pPr marL="0" indent="0" algn="ctr">
+              <a:buNone/>
+              <a:defRPr sz="2400"/>
+            </a:lvl1pPr>
+            <a:lvl2pPr marL="457200" indent="0" algn="ctr">
+              <a:buNone/>
+              <a:defRPr sz="2000"/>
+            </a:lvl2pPr>
+            <a:lvl3pPr marL="914400" indent="0" algn="ctr">
+              <a:buNone/>
+              <a:defRPr sz="1800"/>
+            </a:lvl3pPr>
+            <a:lvl4pPr marL="1371600" indent="0" algn="ctr">
+              <a:buNone/>
+              <a:defRPr sz="1600"/>
+            </a:lvl4pPr>
+            <a:lvl5pPr marL="1828800" indent="0" algn="ctr">
+              <a:buNone/>
+              <a:defRPr sz="1600"/>
+            </a:lvl5pPr>
+            <a:lvl6pPr marL="2286000" indent="0" algn="ctr">
+              <a:buNone/>
+              <a:defRPr sz="1600"/>
+            </a:lvl6pPr>
+            <a:lvl7pPr marL="2743200" indent="0" algn="ctr">
+              <a:buNone/>
+              <a:defRPr sz="1600"/>
+            </a:lvl7pPr>
+            <a:lvl8pPr marL="3200400" indent="0" algn="ctr">
+              <a:buNone/>
+              <a:defRPr sz="1600"/>
+            </a:lvl8pPr>
+            <a:lvl9pPr marL="3657600" indent="0" algn="ctr">
+              <a:buNone/>
+              <a:defRPr sz="1600"/>
+            </a:lvl9pPr>
+          </a:lstStyle>
+          <a:p>
+            <a:r>
+              <a:rPr lang="en-US"/>
+              <a:t>Click to edit Master subtitle style</a:t>
+            </a:r>
+            <a:endParaRPr lang="de-DE"/>
+          </a:p>
+        </p:txBody>
+      </p:sp>
+      <p:sp>
+        <p:nvSpPr>
+          <p:cNvPr id="4" name="Date Placeholder 3">
+            <a:extLst>
+              <a:ext uri="{FF2B5EF4-FFF2-40B4-BE49-F238E27FC236}">
+                <a16:creationId xmlns:a16="http://schemas.microsoft.com/office/drawing/2014/main" id="{B960E7E1-0A4A-4A94-9109-8669756E00C4}"/>
+              </a:ext>
+            </a:extLst>
+          </p:cNvPr>
+          <p:cNvSpPr>
+            <a:spLocks noGrp="1"/>
+          </p:cNvSpPr>
+          <p:nvPr>
+            <p:ph type="dt" sz="half" idx="10"/>
+          </p:nvPr>
+        </p:nvSpPr>
+        <p:spPr/>
+        <p:txBody>
+          <a:bodyPr/>
+          <a:lstStyle/>
+          <a:p>
+            <a:fld id="{A6212A67-7768-4719-B79F-BA9D7B0D72EF}" type="datetimeFigureOut">
+              <a:rPr lang="de-DE" smtClean="0"/>
+              <a:t>16.02.2023</a:t>
+            </a:fld>
+            <a:endParaRPr lang="de-DE"/>
+          </a:p>
+        </p:txBody>
+      </p:sp>
+      <p:sp>
+        <p:nvSpPr>
+          <p:cNvPr id="5" name="Footer Placeholder 4">
+            <a:extLst>
+              <a:ext uri="{FF2B5EF4-FFF2-40B4-BE49-F238E27FC236}">
+                <a16:creationId xmlns:a16="http://schemas.microsoft.com/office/drawing/2014/main" id="{DE6ECFAE-0B2C-4DD9-B0C4-E6A148BCD2D8}"/>
+              </a:ext>
+            </a:extLst>
+          </p:cNvPr>
+          <p:cNvSpPr>
+            <a:spLocks noGrp="1"/>
+          </p:cNvSpPr>
+          <p:nvPr>
+            <p:ph type="ftr" sz="quarter" idx="11"/>
+          </p:nvPr>
+        </p:nvSpPr>
+        <p:spPr/>
+        <p:txBody>
+          <a:bodyPr/>
+          <a:lstStyle/>
+          <a:p>
+            <a:endParaRPr lang="de-DE"/>
+          </a:p>
+        </p:txBody>
+      </p:sp>
+      <p:sp>
+        <p:nvSpPr>
+          <p:cNvPr id="6" name="Slide Number Placeholder 5">
+            <a:extLst>
+              <a:ext uri="{FF2B5EF4-FFF2-40B4-BE49-F238E27FC236}">
+                <a16:creationId xmlns:a16="http://schemas.microsoft.com/office/drawing/2014/main" id="{6B89E957-DEB4-441F-A9EB-B1F15CA7A808}"/>
+              </a:ext>
+            </a:extLst>
+          </p:cNvPr>
+          <p:cNvSpPr>
+            <a:spLocks noGrp="1"/>
+          </p:cNvSpPr>
+          <p:nvPr>
+            <p:ph type="sldNum" sz="quarter" idx="12"/>
+          </p:nvPr>
+        </p:nvSpPr>
+        <p:spPr/>
+        <p:txBody>
+          <a:bodyPr/>
+          <a:lstStyle/>
+          <a:p>
+            <a:fld id="{4A6185A3-31D1-44B2-89FE-6D8E33F0F85B}" type="slidenum">
+              <a:rPr lang="de-DE" smtClean="0"/>
+              <a:t>‹#›</a:t>
+            </a:fld>
+            <a:endParaRPr lang="de-DE"/>
+          </a:p>
+        </p:txBody>
+      </p:sp>
+    </p:spTree>
+    <p:extLst>
+      <p:ext uri="{BB962C8B-B14F-4D97-AF65-F5344CB8AC3E}">
+        <p14:creationId xmlns:p14="http://schemas.microsoft.com/office/powerpoint/2010/main" val="3213545250"/>
+      </p:ext>
+    </p:extLst>
+  </p:cSld>
+  <p:clrMapOvr>
+    <a:masterClrMapping/>
+  </p:clrMapOvr>
+</p:sldLayout>
+</file>
+
+<file path=ppt/slideLayouts/slideLayout13.xml><?xml version="1.0" encoding="utf-8"?>
+<p:sldLayout xmlns:a="http://schemas.openxmlformats.org/drawingml/2006/main" xmlns:r="http://schemas.openxmlformats.org/officeDocument/2006/relationships" xmlns:p="http://schemas.openxmlformats.org/presentationml/2006/main" type="obj" preserve="1">
+  <p:cSld name="Title and Content">
+    <p:spTree>
+      <p:nvGrpSpPr>
+        <p:cNvPr id="1" name=""/>
+        <p:cNvGrpSpPr/>
+        <p:nvPr/>
+      </p:nvGrpSpPr>
+      <p:grpSpPr>
+        <a:xfrm>
+          <a:off x="0" y="0"/>
+          <a:ext cx="0" cy="0"/>
+          <a:chOff x="0" y="0"/>
+          <a:chExt cx="0" cy="0"/>
+        </a:xfrm>
+      </p:grpSpPr>
+      <p:sp>
+        <p:nvSpPr>
+          <p:cNvPr id="2" name="Title 1">
+            <a:extLst>
+              <a:ext uri="{FF2B5EF4-FFF2-40B4-BE49-F238E27FC236}">
+                <a16:creationId xmlns:a16="http://schemas.microsoft.com/office/drawing/2014/main" id="{AF97A1CB-D87F-48DD-93D3-AAB920E34FCD}"/>
+              </a:ext>
+            </a:extLst>
+          </p:cNvPr>
+          <p:cNvSpPr>
+            <a:spLocks noGrp="1"/>
+          </p:cNvSpPr>
+          <p:nvPr>
+            <p:ph type="title"/>
+          </p:nvPr>
+        </p:nvSpPr>
+        <p:spPr/>
+        <p:txBody>
+          <a:bodyPr/>
+          <a:lstStyle/>
+          <a:p>
+            <a:r>
+              <a:rPr lang="en-US"/>
+              <a:t>Click to edit Master title style</a:t>
+            </a:r>
+            <a:endParaRPr lang="de-DE"/>
+          </a:p>
+        </p:txBody>
+      </p:sp>
+      <p:sp>
+        <p:nvSpPr>
+          <p:cNvPr id="3" name="Content Placeholder 2">
+            <a:extLst>
+              <a:ext uri="{FF2B5EF4-FFF2-40B4-BE49-F238E27FC236}">
+                <a16:creationId xmlns:a16="http://schemas.microsoft.com/office/drawing/2014/main" id="{5D2E531D-92E5-4646-95D3-4E81BA7C0E3C}"/>
+              </a:ext>
+            </a:extLst>
+          </p:cNvPr>
+          <p:cNvSpPr>
+            <a:spLocks noGrp="1"/>
+          </p:cNvSpPr>
+          <p:nvPr>
+            <p:ph idx="1"/>
+          </p:nvPr>
+        </p:nvSpPr>
+        <p:spPr/>
+        <p:txBody>
+          <a:bodyPr/>
+          <a:lstStyle/>
+          <a:p>
+            <a:pPr lvl="0"/>
+            <a:r>
+              <a:rPr lang="en-US"/>
+              <a:t>Click to edit Master text styles</a:t>
+            </a:r>
+          </a:p>
+          <a:p>
+            <a:pPr lvl="1"/>
+            <a:r>
+              <a:rPr lang="en-US"/>
+              <a:t>Second level</a:t>
+            </a:r>
+          </a:p>
+          <a:p>
+            <a:pPr lvl="2"/>
+            <a:r>
+              <a:rPr lang="en-US"/>
+              <a:t>Third level</a:t>
+            </a:r>
+          </a:p>
+          <a:p>
+            <a:pPr lvl="3"/>
+            <a:r>
+              <a:rPr lang="en-US"/>
+              <a:t>Fourth level</a:t>
+            </a:r>
+          </a:p>
+          <a:p>
+            <a:pPr lvl="4"/>
+            <a:r>
+              <a:rPr lang="en-US"/>
+              <a:t>Fifth level</a:t>
+            </a:r>
+            <a:endParaRPr lang="de-DE"/>
+          </a:p>
+        </p:txBody>
+      </p:sp>
+      <p:sp>
+        <p:nvSpPr>
+          <p:cNvPr id="4" name="Date Placeholder 3">
+            <a:extLst>
+              <a:ext uri="{FF2B5EF4-FFF2-40B4-BE49-F238E27FC236}">
+                <a16:creationId xmlns:a16="http://schemas.microsoft.com/office/drawing/2014/main" id="{4700CE55-6186-4087-926A-1278B99964F9}"/>
+              </a:ext>
+            </a:extLst>
+          </p:cNvPr>
+          <p:cNvSpPr>
+            <a:spLocks noGrp="1"/>
+          </p:cNvSpPr>
+          <p:nvPr>
+            <p:ph type="dt" sz="half" idx="10"/>
+          </p:nvPr>
+        </p:nvSpPr>
+        <p:spPr/>
+        <p:txBody>
+          <a:bodyPr/>
+          <a:lstStyle/>
+          <a:p>
+            <a:fld id="{A6212A67-7768-4719-B79F-BA9D7B0D72EF}" type="datetimeFigureOut">
+              <a:rPr lang="de-DE" smtClean="0"/>
+              <a:t>16.02.2023</a:t>
+            </a:fld>
+            <a:endParaRPr lang="de-DE"/>
+          </a:p>
+        </p:txBody>
+      </p:sp>
+      <p:sp>
+        <p:nvSpPr>
+          <p:cNvPr id="5" name="Footer Placeholder 4">
+            <a:extLst>
+              <a:ext uri="{FF2B5EF4-FFF2-40B4-BE49-F238E27FC236}">
+                <a16:creationId xmlns:a16="http://schemas.microsoft.com/office/drawing/2014/main" id="{5D0D4B67-C333-403C-B7E1-86EA4A9028CE}"/>
+              </a:ext>
+            </a:extLst>
+          </p:cNvPr>
+          <p:cNvSpPr>
+            <a:spLocks noGrp="1"/>
+          </p:cNvSpPr>
+          <p:nvPr>
+            <p:ph type="ftr" sz="quarter" idx="11"/>
+          </p:nvPr>
+        </p:nvSpPr>
+        <p:spPr/>
+        <p:txBody>
+          <a:bodyPr/>
+          <a:lstStyle/>
+          <a:p>
+            <a:endParaRPr lang="de-DE"/>
+          </a:p>
+        </p:txBody>
+      </p:sp>
+      <p:sp>
+        <p:nvSpPr>
+          <p:cNvPr id="6" name="Slide Number Placeholder 5">
+            <a:extLst>
+              <a:ext uri="{FF2B5EF4-FFF2-40B4-BE49-F238E27FC236}">
+                <a16:creationId xmlns:a16="http://schemas.microsoft.com/office/drawing/2014/main" id="{F9B3618D-9BCA-48AA-9A26-3C3FB7CF9960}"/>
+              </a:ext>
+            </a:extLst>
+          </p:cNvPr>
+          <p:cNvSpPr>
+            <a:spLocks noGrp="1"/>
+          </p:cNvSpPr>
+          <p:nvPr>
+            <p:ph type="sldNum" sz="quarter" idx="12"/>
+          </p:nvPr>
+        </p:nvSpPr>
+        <p:spPr/>
+        <p:txBody>
+          <a:bodyPr/>
+          <a:lstStyle/>
+          <a:p>
+            <a:fld id="{4A6185A3-31D1-44B2-89FE-6D8E33F0F85B}" type="slidenum">
+              <a:rPr lang="de-DE" smtClean="0"/>
+              <a:t>‹#›</a:t>
+            </a:fld>
+            <a:endParaRPr lang="de-DE"/>
+          </a:p>
+        </p:txBody>
+      </p:sp>
+    </p:spTree>
+    <p:extLst>
+      <p:ext uri="{BB962C8B-B14F-4D97-AF65-F5344CB8AC3E}">
+        <p14:creationId xmlns:p14="http://schemas.microsoft.com/office/powerpoint/2010/main" val="2937892234"/>
+      </p:ext>
+    </p:extLst>
+  </p:cSld>
+  <p:clrMapOvr>
+    <a:masterClrMapping/>
+  </p:clrMapOvr>
+</p:sldLayout>
+</file>
+
+<file path=ppt/slideLayouts/slideLayout14.xml><?xml version="1.0" encoding="utf-8"?>
+<p:sldLayout xmlns:a="http://schemas.openxmlformats.org/drawingml/2006/main" xmlns:r="http://schemas.openxmlformats.org/officeDocument/2006/relationships" xmlns:p="http://schemas.openxmlformats.org/presentationml/2006/main" type="secHead" preserve="1">
+  <p:cSld name="Section Header">
+    <p:spTree>
+      <p:nvGrpSpPr>
+        <p:cNvPr id="1" name=""/>
+        <p:cNvGrpSpPr/>
+        <p:nvPr/>
+      </p:nvGrpSpPr>
+      <p:grpSpPr>
+        <a:xfrm>
+          <a:off x="0" y="0"/>
+          <a:ext cx="0" cy="0"/>
+          <a:chOff x="0" y="0"/>
+          <a:chExt cx="0" cy="0"/>
+        </a:xfrm>
+      </p:grpSpPr>
+      <p:sp>
+        <p:nvSpPr>
+          <p:cNvPr id="2" name="Title 1">
+            <a:extLst>
+              <a:ext uri="{FF2B5EF4-FFF2-40B4-BE49-F238E27FC236}">
+                <a16:creationId xmlns:a16="http://schemas.microsoft.com/office/drawing/2014/main" id="{7DE81236-DEFB-4B27-B4BC-06FAE8522980}"/>
+              </a:ext>
+            </a:extLst>
+          </p:cNvPr>
+          <p:cNvSpPr>
+            <a:spLocks noGrp="1"/>
+          </p:cNvSpPr>
+          <p:nvPr>
+            <p:ph type="title"/>
+          </p:nvPr>
+        </p:nvSpPr>
+        <p:spPr>
+          <a:xfrm>
+            <a:off x="831850" y="1709738"/>
+            <a:ext cx="10515600" cy="2852737"/>
+          </a:xfrm>
+        </p:spPr>
+        <p:txBody>
+          <a:bodyPr anchor="b"/>
+          <a:lstStyle>
+            <a:lvl1pPr>
+              <a:defRPr sz="6000"/>
+            </a:lvl1pPr>
+          </a:lstStyle>
+          <a:p>
+            <a:r>
+              <a:rPr lang="en-US"/>
+              <a:t>Click to edit Master title style</a:t>
+            </a:r>
+            <a:endParaRPr lang="de-DE"/>
+          </a:p>
+        </p:txBody>
+      </p:sp>
+      <p:sp>
+        <p:nvSpPr>
+          <p:cNvPr id="3" name="Text Placeholder 2">
+            <a:extLst>
+              <a:ext uri="{FF2B5EF4-FFF2-40B4-BE49-F238E27FC236}">
+                <a16:creationId xmlns:a16="http://schemas.microsoft.com/office/drawing/2014/main" id="{465C196E-9AAF-4895-86F2-E3D8A18F76AD}"/>
+              </a:ext>
+            </a:extLst>
+          </p:cNvPr>
+          <p:cNvSpPr>
+            <a:spLocks noGrp="1"/>
+          </p:cNvSpPr>
+          <p:nvPr>
+            <p:ph type="body" idx="1"/>
+          </p:nvPr>
+        </p:nvSpPr>
+        <p:spPr>
+          <a:xfrm>
+            <a:off x="831850" y="4589463"/>
+            <a:ext cx="10515600" cy="1500187"/>
+          </a:xfrm>
+        </p:spPr>
+        <p:txBody>
+          <a:bodyPr/>
+          <a:lstStyle>
+            <a:lvl1pPr marL="0" indent="0">
+              <a:buNone/>
+              <a:defRPr sz="2400">
+                <a:solidFill>
+                  <a:schemeClr val="tx1">
+                    <a:tint val="75000"/>
+                  </a:schemeClr>
+                </a:solidFill>
+              </a:defRPr>
+            </a:lvl1pPr>
+            <a:lvl2pPr marL="457200" indent="0">
+              <a:buNone/>
+              <a:defRPr sz="2000">
+                <a:solidFill>
+                  <a:schemeClr val="tx1">
+                    <a:tint val="75000"/>
+                  </a:schemeClr>
+                </a:solidFill>
+              </a:defRPr>
+            </a:lvl2pPr>
+            <a:lvl3pPr marL="914400" indent="0">
+              <a:buNone/>
+              <a:defRPr sz="1800">
+                <a:solidFill>
+                  <a:schemeClr val="tx1">
+                    <a:tint val="75000"/>
+                  </a:schemeClr>
+                </a:solidFill>
+              </a:defRPr>
+            </a:lvl3pPr>
+            <a:lvl4pPr marL="1371600" indent="0">
+              <a:buNone/>
+              <a:defRPr sz="1600">
+                <a:solidFill>
+                  <a:schemeClr val="tx1">
+                    <a:tint val="75000"/>
+                  </a:schemeClr>
+                </a:solidFill>
+              </a:defRPr>
+            </a:lvl4pPr>
+            <a:lvl5pPr marL="1828800" indent="0">
+              <a:buNone/>
+              <a:defRPr sz="1600">
+                <a:solidFill>
+                  <a:schemeClr val="tx1">
+                    <a:tint val="75000"/>
+                  </a:schemeClr>
+                </a:solidFill>
+              </a:defRPr>
+            </a:lvl5pPr>
+            <a:lvl6pPr marL="2286000" indent="0">
+              <a:buNone/>
+              <a:defRPr sz="1600">
+                <a:solidFill>
+                  <a:schemeClr val="tx1">
+                    <a:tint val="75000"/>
+                  </a:schemeClr>
+                </a:solidFill>
+              </a:defRPr>
+            </a:lvl6pPr>
+            <a:lvl7pPr marL="2743200" indent="0">
+              <a:buNone/>
+              <a:defRPr sz="1600">
+                <a:solidFill>
+                  <a:schemeClr val="tx1">
+                    <a:tint val="75000"/>
+                  </a:schemeClr>
+                </a:solidFill>
+              </a:defRPr>
+            </a:lvl7pPr>
+            <a:lvl8pPr marL="3200400" indent="0">
+              <a:buNone/>
+              <a:defRPr sz="1600">
+                <a:solidFill>
+                  <a:schemeClr val="tx1">
+                    <a:tint val="75000"/>
+                  </a:schemeClr>
+                </a:solidFill>
+              </a:defRPr>
+            </a:lvl8pPr>
+            <a:lvl9pPr marL="3657600" indent="0">
+              <a:buNone/>
+              <a:defRPr sz="1600">
+                <a:solidFill>
+                  <a:schemeClr val="tx1">
+                    <a:tint val="75000"/>
+                  </a:schemeClr>
+                </a:solidFill>
+              </a:defRPr>
+            </a:lvl9pPr>
+          </a:lstStyle>
+          <a:p>
+            <a:pPr lvl="0"/>
+            <a:r>
+              <a:rPr lang="en-US"/>
+              <a:t>Click to edit Master text styles</a:t>
+            </a:r>
+          </a:p>
+        </p:txBody>
+      </p:sp>
+      <p:sp>
+        <p:nvSpPr>
+          <p:cNvPr id="4" name="Date Placeholder 3">
+            <a:extLst>
+              <a:ext uri="{FF2B5EF4-FFF2-40B4-BE49-F238E27FC236}">
+                <a16:creationId xmlns:a16="http://schemas.microsoft.com/office/drawing/2014/main" id="{764BB6DD-B888-41C6-A9A9-E33C6DAE19CA}"/>
+              </a:ext>
+            </a:extLst>
+          </p:cNvPr>
+          <p:cNvSpPr>
+            <a:spLocks noGrp="1"/>
+          </p:cNvSpPr>
+          <p:nvPr>
+            <p:ph type="dt" sz="half" idx="10"/>
+          </p:nvPr>
+        </p:nvSpPr>
+        <p:spPr/>
+        <p:txBody>
+          <a:bodyPr/>
+          <a:lstStyle/>
+          <a:p>
+            <a:fld id="{A6212A67-7768-4719-B79F-BA9D7B0D72EF}" type="datetimeFigureOut">
+              <a:rPr lang="de-DE" smtClean="0"/>
+              <a:t>16.02.2023</a:t>
+            </a:fld>
+            <a:endParaRPr lang="de-DE"/>
+          </a:p>
+        </p:txBody>
+      </p:sp>
+      <p:sp>
+        <p:nvSpPr>
+          <p:cNvPr id="5" name="Footer Placeholder 4">
+            <a:extLst>
+              <a:ext uri="{FF2B5EF4-FFF2-40B4-BE49-F238E27FC236}">
+                <a16:creationId xmlns:a16="http://schemas.microsoft.com/office/drawing/2014/main" id="{20B5FD0E-ED7F-4364-9E18-B8E59E27DB9B}"/>
+              </a:ext>
+            </a:extLst>
+          </p:cNvPr>
+          <p:cNvSpPr>
+            <a:spLocks noGrp="1"/>
+          </p:cNvSpPr>
+          <p:nvPr>
+            <p:ph type="ftr" sz="quarter" idx="11"/>
+          </p:nvPr>
+        </p:nvSpPr>
+        <p:spPr/>
+        <p:txBody>
+          <a:bodyPr/>
+          <a:lstStyle/>
+          <a:p>
+            <a:endParaRPr lang="de-DE"/>
+          </a:p>
+        </p:txBody>
+      </p:sp>
+      <p:sp>
+        <p:nvSpPr>
+          <p:cNvPr id="6" name="Slide Number Placeholder 5">
+            <a:extLst>
+              <a:ext uri="{FF2B5EF4-FFF2-40B4-BE49-F238E27FC236}">
+                <a16:creationId xmlns:a16="http://schemas.microsoft.com/office/drawing/2014/main" id="{323BDE3C-106A-48FA-8F1F-5DC8D25C4A2C}"/>
+              </a:ext>
+            </a:extLst>
+          </p:cNvPr>
+          <p:cNvSpPr>
+            <a:spLocks noGrp="1"/>
+          </p:cNvSpPr>
+          <p:nvPr>
+            <p:ph type="sldNum" sz="quarter" idx="12"/>
+          </p:nvPr>
+        </p:nvSpPr>
+        <p:spPr/>
+        <p:txBody>
+          <a:bodyPr/>
+          <a:lstStyle/>
+          <a:p>
+            <a:fld id="{4A6185A3-31D1-44B2-89FE-6D8E33F0F85B}" type="slidenum">
+              <a:rPr lang="de-DE" smtClean="0"/>
+              <a:t>‹#›</a:t>
+            </a:fld>
+            <a:endParaRPr lang="de-DE"/>
+          </a:p>
+        </p:txBody>
+      </p:sp>
+    </p:spTree>
+    <p:extLst>
+      <p:ext uri="{BB962C8B-B14F-4D97-AF65-F5344CB8AC3E}">
+        <p14:creationId xmlns:p14="http://schemas.microsoft.com/office/powerpoint/2010/main" val="343091712"/>
+      </p:ext>
+    </p:extLst>
+  </p:cSld>
+  <p:clrMapOvr>
+    <a:masterClrMapping/>
+  </p:clrMapOvr>
+</p:sldLayout>
+</file>
+
+<file path=ppt/slideLayouts/slideLayout15.xml><?xml version="1.0" encoding="utf-8"?>
+<p:sldLayout xmlns:a="http://schemas.openxmlformats.org/drawingml/2006/main" xmlns:r="http://schemas.openxmlformats.org/officeDocument/2006/relationships" xmlns:p="http://schemas.openxmlformats.org/presentationml/2006/main" type="twoObj" preserve="1">
+  <p:cSld name="Two Content">
+    <p:spTree>
+      <p:nvGrpSpPr>
+        <p:cNvPr id="1" name=""/>
+        <p:cNvGrpSpPr/>
+        <p:nvPr/>
+      </p:nvGrpSpPr>
+      <p:grpSpPr>
+        <a:xfrm>
+          <a:off x="0" y="0"/>
+          <a:ext cx="0" cy="0"/>
+          <a:chOff x="0" y="0"/>
+          <a:chExt cx="0" cy="0"/>
+        </a:xfrm>
+      </p:grpSpPr>
+      <p:sp>
+        <p:nvSpPr>
+          <p:cNvPr id="2" name="Title 1">
+            <a:extLst>
+              <a:ext uri="{FF2B5EF4-FFF2-40B4-BE49-F238E27FC236}">
+                <a16:creationId xmlns:a16="http://schemas.microsoft.com/office/drawing/2014/main" id="{21A433A7-6F91-40F7-9FF1-84B2F110465B}"/>
+              </a:ext>
+            </a:extLst>
+          </p:cNvPr>
+          <p:cNvSpPr>
+            <a:spLocks noGrp="1"/>
+          </p:cNvSpPr>
+          <p:nvPr>
+            <p:ph type="title"/>
+          </p:nvPr>
+        </p:nvSpPr>
+        <p:spPr/>
+        <p:txBody>
+          <a:bodyPr/>
+          <a:lstStyle/>
+          <a:p>
+            <a:r>
+              <a:rPr lang="en-US"/>
+              <a:t>Click to edit Master title style</a:t>
+            </a:r>
+            <a:endParaRPr lang="de-DE"/>
+          </a:p>
+        </p:txBody>
+      </p:sp>
+      <p:sp>
+        <p:nvSpPr>
+          <p:cNvPr id="3" name="Content Placeholder 2">
+            <a:extLst>
+              <a:ext uri="{FF2B5EF4-FFF2-40B4-BE49-F238E27FC236}">
+                <a16:creationId xmlns:a16="http://schemas.microsoft.com/office/drawing/2014/main" id="{2A9CD9FF-FCD9-4C29-A0CA-69495C5B4EB4}"/>
+              </a:ext>
+            </a:extLst>
+          </p:cNvPr>
+          <p:cNvSpPr>
+            <a:spLocks noGrp="1"/>
+          </p:cNvSpPr>
+          <p:nvPr>
+            <p:ph sz="half" idx="1"/>
+          </p:nvPr>
+        </p:nvSpPr>
+        <p:spPr>
+          <a:xfrm>
+            <a:off x="838200" y="1825625"/>
+            <a:ext cx="5181600" cy="4351338"/>
+          </a:xfrm>
+        </p:spPr>
+        <p:txBody>
+          <a:bodyPr/>
+          <a:lstStyle/>
+          <a:p>
+            <a:pPr lvl="0"/>
+            <a:r>
+              <a:rPr lang="en-US"/>
+              <a:t>Click to edit Master text styles</a:t>
+            </a:r>
+          </a:p>
+          <a:p>
+            <a:pPr lvl="1"/>
+            <a:r>
+              <a:rPr lang="en-US"/>
+              <a:t>Second level</a:t>
+            </a:r>
+          </a:p>
+          <a:p>
+            <a:pPr lvl="2"/>
+            <a:r>
+              <a:rPr lang="en-US"/>
+              <a:t>Third level</a:t>
+            </a:r>
+          </a:p>
+          <a:p>
+            <a:pPr lvl="3"/>
+            <a:r>
+              <a:rPr lang="en-US"/>
+              <a:t>Fourth level</a:t>
+            </a:r>
+          </a:p>
+          <a:p>
+            <a:pPr lvl="4"/>
+            <a:r>
+              <a:rPr lang="en-US"/>
+              <a:t>Fifth level</a:t>
+            </a:r>
+            <a:endParaRPr lang="de-DE"/>
+          </a:p>
+        </p:txBody>
+      </p:sp>
+      <p:sp>
+        <p:nvSpPr>
+          <p:cNvPr id="4" name="Content Placeholder 3">
+            <a:extLst>
+              <a:ext uri="{FF2B5EF4-FFF2-40B4-BE49-F238E27FC236}">
+                <a16:creationId xmlns:a16="http://schemas.microsoft.com/office/drawing/2014/main" id="{82CD1E91-4C13-4A03-933E-7792EB0CD988}"/>
+              </a:ext>
+            </a:extLst>
+          </p:cNvPr>
+          <p:cNvSpPr>
+            <a:spLocks noGrp="1"/>
+          </p:cNvSpPr>
+          <p:nvPr>
+            <p:ph sz="half" idx="2"/>
+          </p:nvPr>
+        </p:nvSpPr>
+        <p:spPr>
+          <a:xfrm>
+            <a:off x="6172200" y="1825625"/>
+            <a:ext cx="5181600" cy="4351338"/>
+          </a:xfrm>
+        </p:spPr>
+        <p:txBody>
+          <a:bodyPr/>
+          <a:lstStyle/>
+          <a:p>
+            <a:pPr lvl="0"/>
+            <a:r>
+              <a:rPr lang="en-US"/>
+              <a:t>Click to edit Master text styles</a:t>
+            </a:r>
+          </a:p>
+          <a:p>
+            <a:pPr lvl="1"/>
+            <a:r>
+              <a:rPr lang="en-US"/>
+              <a:t>Second level</a:t>
+            </a:r>
+          </a:p>
+          <a:p>
+            <a:pPr lvl="2"/>
+            <a:r>
+              <a:rPr lang="en-US"/>
+              <a:t>Third level</a:t>
+            </a:r>
+          </a:p>
+          <a:p>
+            <a:pPr lvl="3"/>
+            <a:r>
+              <a:rPr lang="en-US"/>
+              <a:t>Fourth level</a:t>
+            </a:r>
+          </a:p>
+          <a:p>
+            <a:pPr lvl="4"/>
+            <a:r>
+              <a:rPr lang="en-US"/>
+              <a:t>Fifth level</a:t>
+            </a:r>
+            <a:endParaRPr lang="de-DE"/>
+          </a:p>
+        </p:txBody>
+      </p:sp>
+      <p:sp>
+        <p:nvSpPr>
+          <p:cNvPr id="5" name="Date Placeholder 4">
+            <a:extLst>
+              <a:ext uri="{FF2B5EF4-FFF2-40B4-BE49-F238E27FC236}">
+                <a16:creationId xmlns:a16="http://schemas.microsoft.com/office/drawing/2014/main" id="{02564E0F-50E4-4516-A4C7-47BAA491D2A9}"/>
+              </a:ext>
+            </a:extLst>
+          </p:cNvPr>
+          <p:cNvSpPr>
+            <a:spLocks noGrp="1"/>
+          </p:cNvSpPr>
+          <p:nvPr>
+            <p:ph type="dt" sz="half" idx="10"/>
+          </p:nvPr>
+        </p:nvSpPr>
+        <p:spPr/>
+        <p:txBody>
+          <a:bodyPr/>
+          <a:lstStyle/>
+          <a:p>
+            <a:fld id="{A6212A67-7768-4719-B79F-BA9D7B0D72EF}" type="datetimeFigureOut">
+              <a:rPr lang="de-DE" smtClean="0"/>
+              <a:t>16.02.2023</a:t>
+            </a:fld>
+            <a:endParaRPr lang="de-DE"/>
+          </a:p>
+        </p:txBody>
+      </p:sp>
+      <p:sp>
+        <p:nvSpPr>
+          <p:cNvPr id="6" name="Footer Placeholder 5">
+            <a:extLst>
+              <a:ext uri="{FF2B5EF4-FFF2-40B4-BE49-F238E27FC236}">
+                <a16:creationId xmlns:a16="http://schemas.microsoft.com/office/drawing/2014/main" id="{280C5037-619D-4A71-AE42-64154029F83E}"/>
+              </a:ext>
+            </a:extLst>
+          </p:cNvPr>
+          <p:cNvSpPr>
+            <a:spLocks noGrp="1"/>
+          </p:cNvSpPr>
+          <p:nvPr>
+            <p:ph type="ftr" sz="quarter" idx="11"/>
+          </p:nvPr>
+        </p:nvSpPr>
+        <p:spPr/>
+        <p:txBody>
+          <a:bodyPr/>
+          <a:lstStyle/>
+          <a:p>
+            <a:endParaRPr lang="de-DE"/>
+          </a:p>
+        </p:txBody>
+      </p:sp>
+      <p:sp>
+        <p:nvSpPr>
+          <p:cNvPr id="7" name="Slide Number Placeholder 6">
+            <a:extLst>
+              <a:ext uri="{FF2B5EF4-FFF2-40B4-BE49-F238E27FC236}">
+                <a16:creationId xmlns:a16="http://schemas.microsoft.com/office/drawing/2014/main" id="{B3E258F3-2DF2-405E-9548-2EBCC28C068F}"/>
+              </a:ext>
+            </a:extLst>
+          </p:cNvPr>
+          <p:cNvSpPr>
+            <a:spLocks noGrp="1"/>
+          </p:cNvSpPr>
+          <p:nvPr>
+            <p:ph type="sldNum" sz="quarter" idx="12"/>
+          </p:nvPr>
+        </p:nvSpPr>
+        <p:spPr/>
+        <p:txBody>
+          <a:bodyPr/>
+          <a:lstStyle/>
+          <a:p>
+            <a:fld id="{4A6185A3-31D1-44B2-89FE-6D8E33F0F85B}" type="slidenum">
+              <a:rPr lang="de-DE" smtClean="0"/>
+              <a:t>‹#›</a:t>
+            </a:fld>
+            <a:endParaRPr lang="de-DE"/>
+          </a:p>
+        </p:txBody>
+      </p:sp>
+    </p:spTree>
+    <p:extLst>
+      <p:ext uri="{BB962C8B-B14F-4D97-AF65-F5344CB8AC3E}">
+        <p14:creationId xmlns:p14="http://schemas.microsoft.com/office/powerpoint/2010/main" val="1688697032"/>
+      </p:ext>
+    </p:extLst>
+  </p:cSld>
+  <p:clrMapOvr>
+    <a:masterClrMapping/>
+  </p:clrMapOvr>
+</p:sldLayout>
+</file>
+
+<file path=ppt/slideLayouts/slideLayout16.xml><?xml version="1.0" encoding="utf-8"?>
+<p:sldLayout xmlns:a="http://schemas.openxmlformats.org/drawingml/2006/main" xmlns:r="http://schemas.openxmlformats.org/officeDocument/2006/relationships" xmlns:p="http://schemas.openxmlformats.org/presentationml/2006/main" type="twoTxTwoObj" preserve="1">
+  <p:cSld name="Comparison">
+    <p:spTree>
+      <p:nvGrpSpPr>
+        <p:cNvPr id="1" name=""/>
+        <p:cNvGrpSpPr/>
+        <p:nvPr/>
+      </p:nvGrpSpPr>
+      <p:grpSpPr>
+        <a:xfrm>
+          <a:off x="0" y="0"/>
+          <a:ext cx="0" cy="0"/>
+          <a:chOff x="0" y="0"/>
+          <a:chExt cx="0" cy="0"/>
+        </a:xfrm>
+      </p:grpSpPr>
+      <p:sp>
+        <p:nvSpPr>
+          <p:cNvPr id="2" name="Title 1">
+            <a:extLst>
+              <a:ext uri="{FF2B5EF4-FFF2-40B4-BE49-F238E27FC236}">
+                <a16:creationId xmlns:a16="http://schemas.microsoft.com/office/drawing/2014/main" id="{8CFE81FE-0C16-4DA0-85B2-9ECC86F92173}"/>
+              </a:ext>
+            </a:extLst>
+          </p:cNvPr>
+          <p:cNvSpPr>
+            <a:spLocks noGrp="1"/>
+          </p:cNvSpPr>
+          <p:nvPr>
+            <p:ph type="title"/>
+          </p:nvPr>
+        </p:nvSpPr>
+        <p:spPr>
+          <a:xfrm>
+            <a:off x="839788" y="365125"/>
+            <a:ext cx="10515600" cy="1325563"/>
+          </a:xfrm>
+        </p:spPr>
+        <p:txBody>
+          <a:bodyPr/>
+          <a:lstStyle/>
+          <a:p>
+            <a:r>
+              <a:rPr lang="en-US"/>
+              <a:t>Click to edit Master title style</a:t>
+            </a:r>
+            <a:endParaRPr lang="de-DE"/>
+          </a:p>
+        </p:txBody>
+      </p:sp>
+      <p:sp>
+        <p:nvSpPr>
+          <p:cNvPr id="3" name="Text Placeholder 2">
+            <a:extLst>
+              <a:ext uri="{FF2B5EF4-FFF2-40B4-BE49-F238E27FC236}">
+                <a16:creationId xmlns:a16="http://schemas.microsoft.com/office/drawing/2014/main" id="{063FB713-F8A0-49F7-85B3-BB6063D94075}"/>
+              </a:ext>
+            </a:extLst>
+          </p:cNvPr>
+          <p:cNvSpPr>
+            <a:spLocks noGrp="1"/>
+          </p:cNvSpPr>
+          <p:nvPr>
+            <p:ph type="body" idx="1"/>
+          </p:nvPr>
+        </p:nvSpPr>
+        <p:spPr>
+          <a:xfrm>
+            <a:off x="839788" y="1681163"/>
+            <a:ext cx="5157787" cy="823912"/>
+          </a:xfrm>
+        </p:spPr>
+        <p:txBody>
+          <a:bodyPr anchor="b"/>
+          <a:lstStyle>
+            <a:lvl1pPr marL="0" indent="0">
+              <a:buNone/>
+              <a:defRPr sz="2400" b="1"/>
+            </a:lvl1pPr>
+            <a:lvl2pPr marL="457200" indent="0">
+              <a:buNone/>
+              <a:defRPr sz="2000" b="1"/>
+            </a:lvl2pPr>
+            <a:lvl3pPr marL="914400" indent="0">
+              <a:buNone/>
+              <a:defRPr sz="1800" b="1"/>
+            </a:lvl3pPr>
+            <a:lvl4pPr marL="1371600" indent="0">
+              <a:buNone/>
+              <a:defRPr sz="1600" b="1"/>
+            </a:lvl4pPr>
+            <a:lvl5pPr marL="1828800" indent="0">
+              <a:buNone/>
+              <a:defRPr sz="1600" b="1"/>
+            </a:lvl5pPr>
+            <a:lvl6pPr marL="2286000" indent="0">
+              <a:buNone/>
+              <a:defRPr sz="1600" b="1"/>
+            </a:lvl6pPr>
+            <a:lvl7pPr marL="2743200" indent="0">
+              <a:buNone/>
+              <a:defRPr sz="1600" b="1"/>
+            </a:lvl7pPr>
+            <a:lvl8pPr marL="3200400" indent="0">
+              <a:buNone/>
+              <a:defRPr sz="1600" b="1"/>
+            </a:lvl8pPr>
+            <a:lvl9pPr marL="3657600" indent="0">
+              <a:buNone/>
+              <a:defRPr sz="1600" b="1"/>
+            </a:lvl9pPr>
+          </a:lstStyle>
+          <a:p>
+            <a:pPr lvl="0"/>
+            <a:r>
+              <a:rPr lang="en-US"/>
+              <a:t>Click to edit Master text styles</a:t>
+            </a:r>
+          </a:p>
+        </p:txBody>
+      </p:sp>
+      <p:sp>
+        <p:nvSpPr>
+          <p:cNvPr id="4" name="Content Placeholder 3">
+            <a:extLst>
+              <a:ext uri="{FF2B5EF4-FFF2-40B4-BE49-F238E27FC236}">
+                <a16:creationId xmlns:a16="http://schemas.microsoft.com/office/drawing/2014/main" id="{301DBA98-7B4E-49AF-935B-737559F73A8C}"/>
+              </a:ext>
+            </a:extLst>
+          </p:cNvPr>
+          <p:cNvSpPr>
+            <a:spLocks noGrp="1"/>
+          </p:cNvSpPr>
+          <p:nvPr>
+            <p:ph sz="half" idx="2"/>
+          </p:nvPr>
+        </p:nvSpPr>
+        <p:spPr>
+          <a:xfrm>
+            <a:off x="839788" y="2505075"/>
+            <a:ext cx="5157787" cy="3684588"/>
+          </a:xfrm>
+        </p:spPr>
+        <p:txBody>
+          <a:bodyPr/>
+          <a:lstStyle/>
+          <a:p>
+            <a:pPr lvl="0"/>
+            <a:r>
+              <a:rPr lang="en-US"/>
+              <a:t>Click to edit Master text styles</a:t>
+            </a:r>
+          </a:p>
+          <a:p>
+            <a:pPr lvl="1"/>
+            <a:r>
+              <a:rPr lang="en-US"/>
+              <a:t>Second level</a:t>
+            </a:r>
+          </a:p>
+          <a:p>
+            <a:pPr lvl="2"/>
+            <a:r>
+              <a:rPr lang="en-US"/>
+              <a:t>Third level</a:t>
+            </a:r>
+          </a:p>
+          <a:p>
+            <a:pPr lvl="3"/>
+            <a:r>
+              <a:rPr lang="en-US"/>
+              <a:t>Fourth level</a:t>
+            </a:r>
+          </a:p>
+          <a:p>
+            <a:pPr lvl="4"/>
+            <a:r>
+              <a:rPr lang="en-US"/>
+              <a:t>Fifth level</a:t>
+            </a:r>
+            <a:endParaRPr lang="de-DE"/>
+          </a:p>
+        </p:txBody>
+      </p:sp>
+      <p:sp>
+        <p:nvSpPr>
+          <p:cNvPr id="5" name="Text Placeholder 4">
+            <a:extLst>
+              <a:ext uri="{FF2B5EF4-FFF2-40B4-BE49-F238E27FC236}">
+                <a16:creationId xmlns:a16="http://schemas.microsoft.com/office/drawing/2014/main" id="{F7032C3E-01F9-4D0A-8DD9-6B783A740D19}"/>
+              </a:ext>
+            </a:extLst>
+          </p:cNvPr>
+          <p:cNvSpPr>
+            <a:spLocks noGrp="1"/>
+          </p:cNvSpPr>
+          <p:nvPr>
+            <p:ph type="body" sz="quarter" idx="3"/>
+          </p:nvPr>
+        </p:nvSpPr>
+        <p:spPr>
+          <a:xfrm>
+            <a:off x="6172200" y="1681163"/>
+            <a:ext cx="5183188" cy="823912"/>
+          </a:xfrm>
+        </p:spPr>
+        <p:txBody>
+          <a:bodyPr anchor="b"/>
+          <a:lstStyle>
+            <a:lvl1pPr marL="0" indent="0">
+              <a:buNone/>
+              <a:defRPr sz="2400" b="1"/>
+            </a:lvl1pPr>
+            <a:lvl2pPr marL="457200" indent="0">
+              <a:buNone/>
+              <a:defRPr sz="2000" b="1"/>
+            </a:lvl2pPr>
+            <a:lvl3pPr marL="914400" indent="0">
+              <a:buNone/>
+              <a:defRPr sz="1800" b="1"/>
+            </a:lvl3pPr>
+            <a:lvl4pPr marL="1371600" indent="0">
+              <a:buNone/>
+              <a:defRPr sz="1600" b="1"/>
+            </a:lvl4pPr>
+            <a:lvl5pPr marL="1828800" indent="0">
+              <a:buNone/>
+              <a:defRPr sz="1600" b="1"/>
+            </a:lvl5pPr>
+            <a:lvl6pPr marL="2286000" indent="0">
+              <a:buNone/>
+              <a:defRPr sz="1600" b="1"/>
+            </a:lvl6pPr>
+            <a:lvl7pPr marL="2743200" indent="0">
+              <a:buNone/>
+              <a:defRPr sz="1600" b="1"/>
+            </a:lvl7pPr>
+            <a:lvl8pPr marL="3200400" indent="0">
+              <a:buNone/>
+              <a:defRPr sz="1600" b="1"/>
+            </a:lvl8pPr>
+            <a:lvl9pPr marL="3657600" indent="0">
+              <a:buNone/>
+              <a:defRPr sz="1600" b="1"/>
+            </a:lvl9pPr>
+          </a:lstStyle>
+          <a:p>
+            <a:pPr lvl="0"/>
+            <a:r>
+              <a:rPr lang="en-US"/>
+              <a:t>Click to edit Master text styles</a:t>
+            </a:r>
+          </a:p>
+        </p:txBody>
+      </p:sp>
+      <p:sp>
+        <p:nvSpPr>
+          <p:cNvPr id="6" name="Content Placeholder 5">
+            <a:extLst>
+              <a:ext uri="{FF2B5EF4-FFF2-40B4-BE49-F238E27FC236}">
+                <a16:creationId xmlns:a16="http://schemas.microsoft.com/office/drawing/2014/main" id="{8F6683C9-CAF0-442C-A3A7-EF1F82CB94AC}"/>
+              </a:ext>
+            </a:extLst>
+          </p:cNvPr>
+          <p:cNvSpPr>
+            <a:spLocks noGrp="1"/>
+          </p:cNvSpPr>
+          <p:nvPr>
+            <p:ph sz="quarter" idx="4"/>
+          </p:nvPr>
+        </p:nvSpPr>
+        <p:spPr>
+          <a:xfrm>
+            <a:off x="6172200" y="2505075"/>
+            <a:ext cx="5183188" cy="3684588"/>
+          </a:xfrm>
+        </p:spPr>
+        <p:txBody>
+          <a:bodyPr/>
+          <a:lstStyle/>
+          <a:p>
+            <a:pPr lvl="0"/>
+            <a:r>
+              <a:rPr lang="en-US"/>
+              <a:t>Click to edit Master text styles</a:t>
+            </a:r>
+          </a:p>
+          <a:p>
+            <a:pPr lvl="1"/>
+            <a:r>
+              <a:rPr lang="en-US"/>
+              <a:t>Second level</a:t>
+            </a:r>
+          </a:p>
+          <a:p>
+            <a:pPr lvl="2"/>
+            <a:r>
+              <a:rPr lang="en-US"/>
+              <a:t>Third level</a:t>
+            </a:r>
+          </a:p>
+          <a:p>
+            <a:pPr lvl="3"/>
+            <a:r>
+              <a:rPr lang="en-US"/>
+              <a:t>Fourth level</a:t>
+            </a:r>
+          </a:p>
+          <a:p>
+            <a:pPr lvl="4"/>
+            <a:r>
+              <a:rPr lang="en-US"/>
+              <a:t>Fifth level</a:t>
+            </a:r>
+            <a:endParaRPr lang="de-DE"/>
+          </a:p>
+        </p:txBody>
+      </p:sp>
+      <p:sp>
+        <p:nvSpPr>
+          <p:cNvPr id="7" name="Date Placeholder 6">
+            <a:extLst>
+              <a:ext uri="{FF2B5EF4-FFF2-40B4-BE49-F238E27FC236}">
+                <a16:creationId xmlns:a16="http://schemas.microsoft.com/office/drawing/2014/main" id="{1E63527C-DA95-427F-A5D8-A9E87246B541}"/>
+              </a:ext>
+            </a:extLst>
+          </p:cNvPr>
+          <p:cNvSpPr>
+            <a:spLocks noGrp="1"/>
+          </p:cNvSpPr>
+          <p:nvPr>
+            <p:ph type="dt" sz="half" idx="10"/>
+          </p:nvPr>
+        </p:nvSpPr>
+        <p:spPr/>
+        <p:txBody>
+          <a:bodyPr/>
+          <a:lstStyle/>
+          <a:p>
+            <a:fld id="{A6212A67-7768-4719-B79F-BA9D7B0D72EF}" type="datetimeFigureOut">
+              <a:rPr lang="de-DE" smtClean="0"/>
+              <a:t>16.02.2023</a:t>
+            </a:fld>
+            <a:endParaRPr lang="de-DE"/>
+          </a:p>
+        </p:txBody>
+      </p:sp>
+      <p:sp>
+        <p:nvSpPr>
+          <p:cNvPr id="8" name="Footer Placeholder 7">
+            <a:extLst>
+              <a:ext uri="{FF2B5EF4-FFF2-40B4-BE49-F238E27FC236}">
+                <a16:creationId xmlns:a16="http://schemas.microsoft.com/office/drawing/2014/main" id="{DFFC4E56-E2F3-40C8-9F7F-238B1AF9CA0E}"/>
+              </a:ext>
+            </a:extLst>
+          </p:cNvPr>
+          <p:cNvSpPr>
+            <a:spLocks noGrp="1"/>
+          </p:cNvSpPr>
+          <p:nvPr>
+            <p:ph type="ftr" sz="quarter" idx="11"/>
+          </p:nvPr>
+        </p:nvSpPr>
+        <p:spPr/>
+        <p:txBody>
+          <a:bodyPr/>
+          <a:lstStyle/>
+          <a:p>
+            <a:endParaRPr lang="de-DE"/>
+          </a:p>
+        </p:txBody>
+      </p:sp>
+      <p:sp>
+        <p:nvSpPr>
+          <p:cNvPr id="9" name="Slide Number Placeholder 8">
+            <a:extLst>
+              <a:ext uri="{FF2B5EF4-FFF2-40B4-BE49-F238E27FC236}">
+                <a16:creationId xmlns:a16="http://schemas.microsoft.com/office/drawing/2014/main" id="{7576155C-2977-4C84-B3C4-ABE9BEB21E58}"/>
+              </a:ext>
+            </a:extLst>
+          </p:cNvPr>
+          <p:cNvSpPr>
+            <a:spLocks noGrp="1"/>
+          </p:cNvSpPr>
+          <p:nvPr>
+            <p:ph type="sldNum" sz="quarter" idx="12"/>
+          </p:nvPr>
+        </p:nvSpPr>
+        <p:spPr/>
+        <p:txBody>
+          <a:bodyPr/>
+          <a:lstStyle/>
+          <a:p>
+            <a:fld id="{4A6185A3-31D1-44B2-89FE-6D8E33F0F85B}" type="slidenum">
+              <a:rPr lang="de-DE" smtClean="0"/>
+              <a:t>‹#›</a:t>
+            </a:fld>
+            <a:endParaRPr lang="de-DE"/>
+          </a:p>
+        </p:txBody>
+      </p:sp>
+    </p:spTree>
+    <p:extLst>
+      <p:ext uri="{BB962C8B-B14F-4D97-AF65-F5344CB8AC3E}">
+        <p14:creationId xmlns:p14="http://schemas.microsoft.com/office/powerpoint/2010/main" val="500602779"/>
+      </p:ext>
+    </p:extLst>
+  </p:cSld>
+  <p:clrMapOvr>
+    <a:masterClrMapping/>
+  </p:clrMapOvr>
+</p:sldLayout>
+</file>
+
+<file path=ppt/slideLayouts/slideLayout17.xml><?xml version="1.0" encoding="utf-8"?>
+<p:sldLayout xmlns:a="http://schemas.openxmlformats.org/drawingml/2006/main" xmlns:r="http://schemas.openxmlformats.org/officeDocument/2006/relationships" xmlns:p="http://schemas.openxmlformats.org/presentationml/2006/main" type="titleOnly" preserve="1">
+  <p:cSld name="Title Only">
+    <p:spTree>
+      <p:nvGrpSpPr>
+        <p:cNvPr id="1" name=""/>
+        <p:cNvGrpSpPr/>
+        <p:nvPr/>
+      </p:nvGrpSpPr>
+      <p:grpSpPr>
+        <a:xfrm>
+          <a:off x="0" y="0"/>
+          <a:ext cx="0" cy="0"/>
+          <a:chOff x="0" y="0"/>
+          <a:chExt cx="0" cy="0"/>
+        </a:xfrm>
+      </p:grpSpPr>
+      <p:sp>
+        <p:nvSpPr>
+          <p:cNvPr id="2" name="Title 1">
+            <a:extLst>
+              <a:ext uri="{FF2B5EF4-FFF2-40B4-BE49-F238E27FC236}">
+                <a16:creationId xmlns:a16="http://schemas.microsoft.com/office/drawing/2014/main" id="{70DE20BE-AB0F-41B7-B54E-5EFE939B2C95}"/>
+              </a:ext>
+            </a:extLst>
+          </p:cNvPr>
+          <p:cNvSpPr>
+            <a:spLocks noGrp="1"/>
+          </p:cNvSpPr>
+          <p:nvPr>
+            <p:ph type="title"/>
+          </p:nvPr>
+        </p:nvSpPr>
+        <p:spPr/>
+        <p:txBody>
+          <a:bodyPr/>
+          <a:lstStyle/>
+          <a:p>
+            <a:r>
+              <a:rPr lang="en-US"/>
+              <a:t>Click to edit Master title style</a:t>
+            </a:r>
+            <a:endParaRPr lang="de-DE"/>
+          </a:p>
+        </p:txBody>
+      </p:sp>
+      <p:sp>
+        <p:nvSpPr>
+          <p:cNvPr id="3" name="Date Placeholder 2">
+            <a:extLst>
+              <a:ext uri="{FF2B5EF4-FFF2-40B4-BE49-F238E27FC236}">
+                <a16:creationId xmlns:a16="http://schemas.microsoft.com/office/drawing/2014/main" id="{FF138C9E-E5F8-4FF8-8918-00E6DF0C3F43}"/>
+              </a:ext>
+            </a:extLst>
+          </p:cNvPr>
+          <p:cNvSpPr>
+            <a:spLocks noGrp="1"/>
+          </p:cNvSpPr>
+          <p:nvPr>
+            <p:ph type="dt" sz="half" idx="10"/>
+          </p:nvPr>
+        </p:nvSpPr>
+        <p:spPr/>
+        <p:txBody>
+          <a:bodyPr/>
+          <a:lstStyle/>
+          <a:p>
+            <a:fld id="{A6212A67-7768-4719-B79F-BA9D7B0D72EF}" type="datetimeFigureOut">
+              <a:rPr lang="de-DE" smtClean="0"/>
+              <a:t>16.02.2023</a:t>
+            </a:fld>
+            <a:endParaRPr lang="de-DE"/>
+          </a:p>
+        </p:txBody>
+      </p:sp>
+      <p:sp>
+        <p:nvSpPr>
+          <p:cNvPr id="4" name="Footer Placeholder 3">
+            <a:extLst>
+              <a:ext uri="{FF2B5EF4-FFF2-40B4-BE49-F238E27FC236}">
+                <a16:creationId xmlns:a16="http://schemas.microsoft.com/office/drawing/2014/main" id="{C61CCCBD-E19A-4AED-BE4D-6FCD07BBFA38}"/>
+              </a:ext>
+            </a:extLst>
+          </p:cNvPr>
+          <p:cNvSpPr>
+            <a:spLocks noGrp="1"/>
+          </p:cNvSpPr>
+          <p:nvPr>
+            <p:ph type="ftr" sz="quarter" idx="11"/>
+          </p:nvPr>
+        </p:nvSpPr>
+        <p:spPr/>
+        <p:txBody>
+          <a:bodyPr/>
+          <a:lstStyle/>
+          <a:p>
+            <a:endParaRPr lang="de-DE"/>
+          </a:p>
+        </p:txBody>
+      </p:sp>
+      <p:sp>
+        <p:nvSpPr>
+          <p:cNvPr id="5" name="Slide Number Placeholder 4">
+            <a:extLst>
+              <a:ext uri="{FF2B5EF4-FFF2-40B4-BE49-F238E27FC236}">
+                <a16:creationId xmlns:a16="http://schemas.microsoft.com/office/drawing/2014/main" id="{52155BD8-831B-4BEC-82BF-383501419D7D}"/>
+              </a:ext>
+            </a:extLst>
+          </p:cNvPr>
+          <p:cNvSpPr>
+            <a:spLocks noGrp="1"/>
+          </p:cNvSpPr>
+          <p:nvPr>
+            <p:ph type="sldNum" sz="quarter" idx="12"/>
+          </p:nvPr>
+        </p:nvSpPr>
+        <p:spPr/>
+        <p:txBody>
+          <a:bodyPr/>
+          <a:lstStyle/>
+          <a:p>
+            <a:fld id="{4A6185A3-31D1-44B2-89FE-6D8E33F0F85B}" type="slidenum">
+              <a:rPr lang="de-DE" smtClean="0"/>
+              <a:t>‹#›</a:t>
+            </a:fld>
+            <a:endParaRPr lang="de-DE"/>
+          </a:p>
+        </p:txBody>
+      </p:sp>
+    </p:spTree>
+    <p:extLst>
+      <p:ext uri="{BB962C8B-B14F-4D97-AF65-F5344CB8AC3E}">
+        <p14:creationId xmlns:p14="http://schemas.microsoft.com/office/powerpoint/2010/main" val="3326435882"/>
+      </p:ext>
+    </p:extLst>
+  </p:cSld>
+  <p:clrMapOvr>
+    <a:masterClrMapping/>
+  </p:clrMapOvr>
+</p:sldLayout>
+</file>
+
+<file path=ppt/slideLayouts/slideLayout18.xml><?xml version="1.0" encoding="utf-8"?>
+<p:sldLayout xmlns:a="http://schemas.openxmlformats.org/drawingml/2006/main" xmlns:r="http://schemas.openxmlformats.org/officeDocument/2006/relationships" xmlns:p="http://schemas.openxmlformats.org/presentationml/2006/main" type="blank" preserve="1">
+  <p:cSld name="Blank">
+    <p:spTree>
+      <p:nvGrpSpPr>
+        <p:cNvPr id="1" name=""/>
+        <p:cNvGrpSpPr/>
+        <p:nvPr/>
+      </p:nvGrpSpPr>
+      <p:grpSpPr>
+        <a:xfrm>
+          <a:off x="0" y="0"/>
+          <a:ext cx="0" cy="0"/>
+          <a:chOff x="0" y="0"/>
+          <a:chExt cx="0" cy="0"/>
+        </a:xfrm>
+      </p:grpSpPr>
+      <p:sp>
+        <p:nvSpPr>
+          <p:cNvPr id="2" name="Date Placeholder 1">
+            <a:extLst>
+              <a:ext uri="{FF2B5EF4-FFF2-40B4-BE49-F238E27FC236}">
+                <a16:creationId xmlns:a16="http://schemas.microsoft.com/office/drawing/2014/main" id="{AD4AB54C-3303-4630-9779-FD228BC6D7A7}"/>
+              </a:ext>
+            </a:extLst>
+          </p:cNvPr>
+          <p:cNvSpPr>
+            <a:spLocks noGrp="1"/>
+          </p:cNvSpPr>
+          <p:nvPr>
+            <p:ph type="dt" sz="half" idx="10"/>
+          </p:nvPr>
+        </p:nvSpPr>
+        <p:spPr/>
+        <p:txBody>
+          <a:bodyPr/>
+          <a:lstStyle/>
+          <a:p>
+            <a:fld id="{A6212A67-7768-4719-B79F-BA9D7B0D72EF}" type="datetimeFigureOut">
+              <a:rPr lang="de-DE" smtClean="0"/>
+              <a:t>16.02.2023</a:t>
+            </a:fld>
+            <a:endParaRPr lang="de-DE"/>
+          </a:p>
+        </p:txBody>
+      </p:sp>
+      <p:sp>
+        <p:nvSpPr>
+          <p:cNvPr id="3" name="Footer Placeholder 2">
+            <a:extLst>
+              <a:ext uri="{FF2B5EF4-FFF2-40B4-BE49-F238E27FC236}">
+                <a16:creationId xmlns:a16="http://schemas.microsoft.com/office/drawing/2014/main" id="{00D72D83-D746-4104-899C-4FF5B4004A81}"/>
+              </a:ext>
+            </a:extLst>
+          </p:cNvPr>
+          <p:cNvSpPr>
+            <a:spLocks noGrp="1"/>
+          </p:cNvSpPr>
+          <p:nvPr>
+            <p:ph type="ftr" sz="quarter" idx="11"/>
+          </p:nvPr>
+        </p:nvSpPr>
+        <p:spPr/>
+        <p:txBody>
+          <a:bodyPr/>
+          <a:lstStyle/>
+          <a:p>
+            <a:endParaRPr lang="de-DE"/>
+          </a:p>
+        </p:txBody>
+      </p:sp>
+      <p:sp>
+        <p:nvSpPr>
+          <p:cNvPr id="4" name="Slide Number Placeholder 3">
+            <a:extLst>
+              <a:ext uri="{FF2B5EF4-FFF2-40B4-BE49-F238E27FC236}">
+                <a16:creationId xmlns:a16="http://schemas.microsoft.com/office/drawing/2014/main" id="{82B0E6A6-6730-4367-B485-BE986DAB932E}"/>
+              </a:ext>
+            </a:extLst>
+          </p:cNvPr>
+          <p:cNvSpPr>
+            <a:spLocks noGrp="1"/>
+          </p:cNvSpPr>
+          <p:nvPr>
+            <p:ph type="sldNum" sz="quarter" idx="12"/>
+          </p:nvPr>
+        </p:nvSpPr>
+        <p:spPr/>
+        <p:txBody>
+          <a:bodyPr/>
+          <a:lstStyle/>
+          <a:p>
+            <a:fld id="{4A6185A3-31D1-44B2-89FE-6D8E33F0F85B}" type="slidenum">
+              <a:rPr lang="de-DE" smtClean="0"/>
+              <a:t>‹#›</a:t>
+            </a:fld>
+            <a:endParaRPr lang="de-DE"/>
+          </a:p>
+        </p:txBody>
+      </p:sp>
+    </p:spTree>
+    <p:extLst>
+      <p:ext uri="{BB962C8B-B14F-4D97-AF65-F5344CB8AC3E}">
+        <p14:creationId xmlns:p14="http://schemas.microsoft.com/office/powerpoint/2010/main" val="3483225028"/>
+      </p:ext>
+    </p:extLst>
+  </p:cSld>
+  <p:clrMapOvr>
+    <a:masterClrMapping/>
+  </p:clrMapOvr>
+</p:sldLayout>
+</file>
+
+<file path=ppt/slideLayouts/slideLayout19.xml><?xml version="1.0" encoding="utf-8"?>
+<p:sldLayout xmlns:a="http://schemas.openxmlformats.org/drawingml/2006/main" xmlns:r="http://schemas.openxmlformats.org/officeDocument/2006/relationships" xmlns:p="http://schemas.openxmlformats.org/presentationml/2006/main" type="objTx" preserve="1">
+  <p:cSld name="Content with Caption">
+    <p:spTree>
+      <p:nvGrpSpPr>
+        <p:cNvPr id="1" name=""/>
+        <p:cNvGrpSpPr/>
+        <p:nvPr/>
+      </p:nvGrpSpPr>
+      <p:grpSpPr>
+        <a:xfrm>
+          <a:off x="0" y="0"/>
+          <a:ext cx="0" cy="0"/>
+          <a:chOff x="0" y="0"/>
+          <a:chExt cx="0" cy="0"/>
+        </a:xfrm>
+      </p:grpSpPr>
+      <p:sp>
+        <p:nvSpPr>
+          <p:cNvPr id="2" name="Title 1">
+            <a:extLst>
+              <a:ext uri="{FF2B5EF4-FFF2-40B4-BE49-F238E27FC236}">
+                <a16:creationId xmlns:a16="http://schemas.microsoft.com/office/drawing/2014/main" id="{8E76F01F-90AA-4195-B85E-F98DA0C46A96}"/>
+              </a:ext>
+            </a:extLst>
+          </p:cNvPr>
+          <p:cNvSpPr>
+            <a:spLocks noGrp="1"/>
+          </p:cNvSpPr>
+          <p:nvPr>
+            <p:ph type="title"/>
+          </p:nvPr>
+        </p:nvSpPr>
+        <p:spPr>
+          <a:xfrm>
+            <a:off x="839788" y="457200"/>
+            <a:ext cx="3932237" cy="1600200"/>
+          </a:xfrm>
+        </p:spPr>
+        <p:txBody>
+          <a:bodyPr anchor="b"/>
+          <a:lstStyle>
+            <a:lvl1pPr>
+              <a:defRPr sz="3200"/>
+            </a:lvl1pPr>
+          </a:lstStyle>
+          <a:p>
+            <a:r>
+              <a:rPr lang="en-US"/>
+              <a:t>Click to edit Master title style</a:t>
+            </a:r>
+            <a:endParaRPr lang="de-DE"/>
+          </a:p>
+        </p:txBody>
+      </p:sp>
+      <p:sp>
+        <p:nvSpPr>
+          <p:cNvPr id="3" name="Content Placeholder 2">
+            <a:extLst>
+              <a:ext uri="{FF2B5EF4-FFF2-40B4-BE49-F238E27FC236}">
+                <a16:creationId xmlns:a16="http://schemas.microsoft.com/office/drawing/2014/main" id="{CD0E934A-9CA6-4C39-A53B-5046B12FB056}"/>
+              </a:ext>
+            </a:extLst>
+          </p:cNvPr>
+          <p:cNvSpPr>
+            <a:spLocks noGrp="1"/>
+          </p:cNvSpPr>
+          <p:nvPr>
+            <p:ph idx="1"/>
+          </p:nvPr>
+        </p:nvSpPr>
+        <p:spPr>
+          <a:xfrm>
+            <a:off x="5183188" y="987425"/>
+            <a:ext cx="6172200" cy="4873625"/>
+          </a:xfrm>
+        </p:spPr>
+        <p:txBody>
+          <a:bodyPr/>
+          <a:lstStyle>
+            <a:lvl1pPr>
+              <a:defRPr sz="3200"/>
+            </a:lvl1pPr>
+            <a:lvl2pPr>
+              <a:defRPr sz="2800"/>
+            </a:lvl2pPr>
+            <a:lvl3pPr>
+              <a:defRPr sz="2400"/>
+            </a:lvl3pPr>
+            <a:lvl4pPr>
+              <a:defRPr sz="2000"/>
+            </a:lvl4pPr>
+            <a:lvl5pPr>
+              <a:defRPr sz="2000"/>
+            </a:lvl5pPr>
+            <a:lvl6pPr>
+              <a:defRPr sz="2000"/>
+            </a:lvl6pPr>
+            <a:lvl7pPr>
+              <a:defRPr sz="2000"/>
+            </a:lvl7pPr>
+            <a:lvl8pPr>
+              <a:defRPr sz="2000"/>
+            </a:lvl8pPr>
+            <a:lvl9pPr>
+              <a:defRPr sz="2000"/>
+            </a:lvl9pPr>
+          </a:lstStyle>
+          <a:p>
+            <a:pPr lvl="0"/>
+            <a:r>
+              <a:rPr lang="en-US"/>
+              <a:t>Click to edit Master text styles</a:t>
+            </a:r>
+          </a:p>
+          <a:p>
+            <a:pPr lvl="1"/>
+            <a:r>
+              <a:rPr lang="en-US"/>
+              <a:t>Second level</a:t>
+            </a:r>
+          </a:p>
+          <a:p>
+            <a:pPr lvl="2"/>
+            <a:r>
+              <a:rPr lang="en-US"/>
+              <a:t>Third level</a:t>
+            </a:r>
+          </a:p>
+          <a:p>
+            <a:pPr lvl="3"/>
+            <a:r>
+              <a:rPr lang="en-US"/>
+              <a:t>Fourth level</a:t>
+            </a:r>
+          </a:p>
+          <a:p>
+            <a:pPr lvl="4"/>
+            <a:r>
+              <a:rPr lang="en-US"/>
+              <a:t>Fifth level</a:t>
+            </a:r>
+            <a:endParaRPr lang="de-DE"/>
+          </a:p>
+        </p:txBody>
+      </p:sp>
+      <p:sp>
+        <p:nvSpPr>
+          <p:cNvPr id="4" name="Text Placeholder 3">
+            <a:extLst>
+              <a:ext uri="{FF2B5EF4-FFF2-40B4-BE49-F238E27FC236}">
+                <a16:creationId xmlns:a16="http://schemas.microsoft.com/office/drawing/2014/main" id="{821BB189-FA6F-49A5-B0EB-2270F9C2CB2F}"/>
+              </a:ext>
+            </a:extLst>
+          </p:cNvPr>
+          <p:cNvSpPr>
+            <a:spLocks noGrp="1"/>
+          </p:cNvSpPr>
+          <p:nvPr>
+            <p:ph type="body" sz="half" idx="2"/>
+          </p:nvPr>
+        </p:nvSpPr>
+        <p:spPr>
+          <a:xfrm>
+            <a:off x="839788" y="2057400"/>
+            <a:ext cx="3932237" cy="3811588"/>
+          </a:xfrm>
+        </p:spPr>
+        <p:txBody>
+          <a:bodyPr/>
+          <a:lstStyle>
+            <a:lvl1pPr marL="0" indent="0">
+              <a:buNone/>
+              <a:defRPr sz="1600"/>
+            </a:lvl1pPr>
+            <a:lvl2pPr marL="457200" indent="0">
+              <a:buNone/>
+              <a:defRPr sz="1400"/>
+            </a:lvl2pPr>
+            <a:lvl3pPr marL="914400" indent="0">
+              <a:buNone/>
+              <a:defRPr sz="1200"/>
+            </a:lvl3pPr>
+            <a:lvl4pPr marL="1371600" indent="0">
+              <a:buNone/>
+              <a:defRPr sz="1000"/>
+            </a:lvl4pPr>
+            <a:lvl5pPr marL="1828800" indent="0">
+              <a:buNone/>
+              <a:defRPr sz="1000"/>
+            </a:lvl5pPr>
+            <a:lvl6pPr marL="2286000" indent="0">
+              <a:buNone/>
+              <a:defRPr sz="1000"/>
+            </a:lvl6pPr>
+            <a:lvl7pPr marL="2743200" indent="0">
+              <a:buNone/>
+              <a:defRPr sz="1000"/>
+            </a:lvl7pPr>
+            <a:lvl8pPr marL="3200400" indent="0">
+              <a:buNone/>
+              <a:defRPr sz="1000"/>
+            </a:lvl8pPr>
+            <a:lvl9pPr marL="3657600" indent="0">
+              <a:buNone/>
+              <a:defRPr sz="1000"/>
+            </a:lvl9pPr>
+          </a:lstStyle>
+          <a:p>
+            <a:pPr lvl="0"/>
+            <a:r>
+              <a:rPr lang="en-US"/>
+              <a:t>Click to edit Master text styles</a:t>
+            </a:r>
+          </a:p>
+        </p:txBody>
+      </p:sp>
+      <p:sp>
+        <p:nvSpPr>
+          <p:cNvPr id="5" name="Date Placeholder 4">
+            <a:extLst>
+              <a:ext uri="{FF2B5EF4-FFF2-40B4-BE49-F238E27FC236}">
+                <a16:creationId xmlns:a16="http://schemas.microsoft.com/office/drawing/2014/main" id="{733593C9-9158-4141-86CC-0351111E2D29}"/>
+              </a:ext>
+            </a:extLst>
+          </p:cNvPr>
+          <p:cNvSpPr>
+            <a:spLocks noGrp="1"/>
+          </p:cNvSpPr>
+          <p:nvPr>
+            <p:ph type="dt" sz="half" idx="10"/>
+          </p:nvPr>
+        </p:nvSpPr>
+        <p:spPr/>
+        <p:txBody>
+          <a:bodyPr/>
+          <a:lstStyle/>
+          <a:p>
+            <a:fld id="{A6212A67-7768-4719-B79F-BA9D7B0D72EF}" type="datetimeFigureOut">
+              <a:rPr lang="de-DE" smtClean="0"/>
+              <a:t>16.02.2023</a:t>
+            </a:fld>
+            <a:endParaRPr lang="de-DE"/>
+          </a:p>
+        </p:txBody>
+      </p:sp>
+      <p:sp>
+        <p:nvSpPr>
+          <p:cNvPr id="6" name="Footer Placeholder 5">
+            <a:extLst>
+              <a:ext uri="{FF2B5EF4-FFF2-40B4-BE49-F238E27FC236}">
+                <a16:creationId xmlns:a16="http://schemas.microsoft.com/office/drawing/2014/main" id="{C76B2A6B-3966-4F3D-A8E7-46537B7B6F02}"/>
+              </a:ext>
+            </a:extLst>
+          </p:cNvPr>
+          <p:cNvSpPr>
+            <a:spLocks noGrp="1"/>
+          </p:cNvSpPr>
+          <p:nvPr>
+            <p:ph type="ftr" sz="quarter" idx="11"/>
+          </p:nvPr>
+        </p:nvSpPr>
+        <p:spPr/>
+        <p:txBody>
+          <a:bodyPr/>
+          <a:lstStyle/>
+          <a:p>
+            <a:endParaRPr lang="de-DE"/>
+          </a:p>
+        </p:txBody>
+      </p:sp>
+      <p:sp>
+        <p:nvSpPr>
+          <p:cNvPr id="7" name="Slide Number Placeholder 6">
+            <a:extLst>
+              <a:ext uri="{FF2B5EF4-FFF2-40B4-BE49-F238E27FC236}">
+                <a16:creationId xmlns:a16="http://schemas.microsoft.com/office/drawing/2014/main" id="{71E77DC3-E1EF-45BE-9A27-3757C1D04360}"/>
+              </a:ext>
+            </a:extLst>
+          </p:cNvPr>
+          <p:cNvSpPr>
+            <a:spLocks noGrp="1"/>
+          </p:cNvSpPr>
+          <p:nvPr>
+            <p:ph type="sldNum" sz="quarter" idx="12"/>
+          </p:nvPr>
+        </p:nvSpPr>
+        <p:spPr/>
+        <p:txBody>
+          <a:bodyPr/>
+          <a:lstStyle/>
+          <a:p>
+            <a:fld id="{4A6185A3-31D1-44B2-89FE-6D8E33F0F85B}" type="slidenum">
+              <a:rPr lang="de-DE" smtClean="0"/>
+              <a:t>‹#›</a:t>
+            </a:fld>
+            <a:endParaRPr lang="de-DE"/>
+          </a:p>
+        </p:txBody>
+      </p:sp>
+    </p:spTree>
+    <p:extLst>
+      <p:ext uri="{BB962C8B-B14F-4D97-AF65-F5344CB8AC3E}">
+        <p14:creationId xmlns:p14="http://schemas.microsoft.com/office/powerpoint/2010/main" val="420193026"/>
       </p:ext>
     </p:extLst>
   </p:cSld>
@@ -771,10 +2721,10 @@
       </p:grpSpPr>
       <p:pic>
         <p:nvPicPr>
-          <p:cNvPr id="6" name="Picture 5" descr="Graphical user interface&#10;&#10;Description automatically generated">
-            <a:extLst>
-              <a:ext uri="{FF2B5EF4-FFF2-40B4-BE49-F238E27FC236}">
-                <a16:creationId xmlns:a16="http://schemas.microsoft.com/office/drawing/2014/main" id="{D1E68DB5-09E0-604A-8246-551ADBD7C148}"/>
+          <p:cNvPr id="5" name="Picture 4">
+            <a:extLst>
+              <a:ext uri="{FF2B5EF4-FFF2-40B4-BE49-F238E27FC236}">
+                <a16:creationId xmlns:a16="http://schemas.microsoft.com/office/drawing/2014/main" id="{ED127DD3-B883-4EAC-8DD4-94A523867E97}"/>
               </a:ext>
             </a:extLst>
           </p:cNvPr>
@@ -783,15 +2733,46 @@
           </p:cNvPicPr>
           <p:nvPr userDrawn="1"/>
         </p:nvPicPr>
-        <p:blipFill rotWithShape="1">
+        <p:blipFill>
           <a:blip r:embed="rId2"/>
-          <a:srcRect l="2858" t="6894" r="3162" b="6939"/>
-          <a:stretch/>
+          <a:stretch>
+            <a:fillRect/>
+          </a:stretch>
         </p:blipFill>
         <p:spPr>
           <a:xfrm>
-            <a:off x="-1805" y="273846"/>
-            <a:ext cx="12181365" cy="6282464"/>
+            <a:off x="0" y="320202"/>
+            <a:ext cx="12192000" cy="6217596"/>
+          </a:xfrm>
+          <a:prstGeom prst="rect">
+            <a:avLst/>
+          </a:prstGeom>
+        </p:spPr>
+      </p:pic>
+      <p:pic>
+        <p:nvPicPr>
+          <p:cNvPr id="8" name="Picture 7">
+            <a:extLst>
+              <a:ext uri="{FF2B5EF4-FFF2-40B4-BE49-F238E27FC236}">
+                <a16:creationId xmlns:a16="http://schemas.microsoft.com/office/drawing/2014/main" id="{C7811C28-1F9A-4413-A73C-7F9178CD8035}"/>
+              </a:ext>
+            </a:extLst>
+          </p:cNvPr>
+          <p:cNvPicPr>
+            <a:picLocks noChangeAspect="1"/>
+          </p:cNvPicPr>
+          <p:nvPr userDrawn="1"/>
+        </p:nvPicPr>
+        <p:blipFill>
+          <a:blip r:embed="rId3"/>
+          <a:stretch>
+            <a:fillRect/>
+          </a:stretch>
+        </p:blipFill>
+        <p:spPr>
+          <a:xfrm>
+            <a:off x="0" y="355609"/>
+            <a:ext cx="12192000" cy="6146772"/>
           </a:xfrm>
           <a:prstGeom prst="rect">
             <a:avLst/>
@@ -802,6 +2783,705 @@
     <p:extLst>
       <p:ext uri="{BB962C8B-B14F-4D97-AF65-F5344CB8AC3E}">
         <p14:creationId xmlns:p14="http://schemas.microsoft.com/office/powerpoint/2010/main" val="288504111"/>
+      </p:ext>
+    </p:extLst>
+  </p:cSld>
+  <p:clrMapOvr>
+    <a:masterClrMapping/>
+  </p:clrMapOvr>
+</p:sldLayout>
+</file>
+
+<file path=ppt/slideLayouts/slideLayout20.xml><?xml version="1.0" encoding="utf-8"?>
+<p:sldLayout xmlns:a="http://schemas.openxmlformats.org/drawingml/2006/main" xmlns:r="http://schemas.openxmlformats.org/officeDocument/2006/relationships" xmlns:p="http://schemas.openxmlformats.org/presentationml/2006/main" type="picTx" preserve="1">
+  <p:cSld name="Picture with Caption">
+    <p:spTree>
+      <p:nvGrpSpPr>
+        <p:cNvPr id="1" name=""/>
+        <p:cNvGrpSpPr/>
+        <p:nvPr/>
+      </p:nvGrpSpPr>
+      <p:grpSpPr>
+        <a:xfrm>
+          <a:off x="0" y="0"/>
+          <a:ext cx="0" cy="0"/>
+          <a:chOff x="0" y="0"/>
+          <a:chExt cx="0" cy="0"/>
+        </a:xfrm>
+      </p:grpSpPr>
+      <p:sp>
+        <p:nvSpPr>
+          <p:cNvPr id="2" name="Title 1">
+            <a:extLst>
+              <a:ext uri="{FF2B5EF4-FFF2-40B4-BE49-F238E27FC236}">
+                <a16:creationId xmlns:a16="http://schemas.microsoft.com/office/drawing/2014/main" id="{CF52A4DC-785A-434D-B803-826639F2E083}"/>
+              </a:ext>
+            </a:extLst>
+          </p:cNvPr>
+          <p:cNvSpPr>
+            <a:spLocks noGrp="1"/>
+          </p:cNvSpPr>
+          <p:nvPr>
+            <p:ph type="title"/>
+          </p:nvPr>
+        </p:nvSpPr>
+        <p:spPr>
+          <a:xfrm>
+            <a:off x="839788" y="457200"/>
+            <a:ext cx="3932237" cy="1600200"/>
+          </a:xfrm>
+        </p:spPr>
+        <p:txBody>
+          <a:bodyPr anchor="b"/>
+          <a:lstStyle>
+            <a:lvl1pPr>
+              <a:defRPr sz="3200"/>
+            </a:lvl1pPr>
+          </a:lstStyle>
+          <a:p>
+            <a:r>
+              <a:rPr lang="en-US"/>
+              <a:t>Click to edit Master title style</a:t>
+            </a:r>
+            <a:endParaRPr lang="de-DE"/>
+          </a:p>
+        </p:txBody>
+      </p:sp>
+      <p:sp>
+        <p:nvSpPr>
+          <p:cNvPr id="3" name="Picture Placeholder 2">
+            <a:extLst>
+              <a:ext uri="{FF2B5EF4-FFF2-40B4-BE49-F238E27FC236}">
+                <a16:creationId xmlns:a16="http://schemas.microsoft.com/office/drawing/2014/main" id="{4712C7D1-FAED-4B7D-8C4B-0C5B82103232}"/>
+              </a:ext>
+            </a:extLst>
+          </p:cNvPr>
+          <p:cNvSpPr>
+            <a:spLocks noGrp="1"/>
+          </p:cNvSpPr>
+          <p:nvPr>
+            <p:ph type="pic" idx="1"/>
+          </p:nvPr>
+        </p:nvSpPr>
+        <p:spPr>
+          <a:xfrm>
+            <a:off x="5183188" y="987425"/>
+            <a:ext cx="6172200" cy="4873625"/>
+          </a:xfrm>
+        </p:spPr>
+        <p:txBody>
+          <a:bodyPr/>
+          <a:lstStyle>
+            <a:lvl1pPr marL="0" indent="0">
+              <a:buNone/>
+              <a:defRPr sz="3200"/>
+            </a:lvl1pPr>
+            <a:lvl2pPr marL="457200" indent="0">
+              <a:buNone/>
+              <a:defRPr sz="2800"/>
+            </a:lvl2pPr>
+            <a:lvl3pPr marL="914400" indent="0">
+              <a:buNone/>
+              <a:defRPr sz="2400"/>
+            </a:lvl3pPr>
+            <a:lvl4pPr marL="1371600" indent="0">
+              <a:buNone/>
+              <a:defRPr sz="2000"/>
+            </a:lvl4pPr>
+            <a:lvl5pPr marL="1828800" indent="0">
+              <a:buNone/>
+              <a:defRPr sz="2000"/>
+            </a:lvl5pPr>
+            <a:lvl6pPr marL="2286000" indent="0">
+              <a:buNone/>
+              <a:defRPr sz="2000"/>
+            </a:lvl6pPr>
+            <a:lvl7pPr marL="2743200" indent="0">
+              <a:buNone/>
+              <a:defRPr sz="2000"/>
+            </a:lvl7pPr>
+            <a:lvl8pPr marL="3200400" indent="0">
+              <a:buNone/>
+              <a:defRPr sz="2000"/>
+            </a:lvl8pPr>
+            <a:lvl9pPr marL="3657600" indent="0">
+              <a:buNone/>
+              <a:defRPr sz="2000"/>
+            </a:lvl9pPr>
+          </a:lstStyle>
+          <a:p>
+            <a:endParaRPr lang="de-DE"/>
+          </a:p>
+        </p:txBody>
+      </p:sp>
+      <p:sp>
+        <p:nvSpPr>
+          <p:cNvPr id="4" name="Text Placeholder 3">
+            <a:extLst>
+              <a:ext uri="{FF2B5EF4-FFF2-40B4-BE49-F238E27FC236}">
+                <a16:creationId xmlns:a16="http://schemas.microsoft.com/office/drawing/2014/main" id="{F6F56488-3EF3-4782-900B-89B182C52328}"/>
+              </a:ext>
+            </a:extLst>
+          </p:cNvPr>
+          <p:cNvSpPr>
+            <a:spLocks noGrp="1"/>
+          </p:cNvSpPr>
+          <p:nvPr>
+            <p:ph type="body" sz="half" idx="2"/>
+          </p:nvPr>
+        </p:nvSpPr>
+        <p:spPr>
+          <a:xfrm>
+            <a:off x="839788" y="2057400"/>
+            <a:ext cx="3932237" cy="3811588"/>
+          </a:xfrm>
+        </p:spPr>
+        <p:txBody>
+          <a:bodyPr/>
+          <a:lstStyle>
+            <a:lvl1pPr marL="0" indent="0">
+              <a:buNone/>
+              <a:defRPr sz="1600"/>
+            </a:lvl1pPr>
+            <a:lvl2pPr marL="457200" indent="0">
+              <a:buNone/>
+              <a:defRPr sz="1400"/>
+            </a:lvl2pPr>
+            <a:lvl3pPr marL="914400" indent="0">
+              <a:buNone/>
+              <a:defRPr sz="1200"/>
+            </a:lvl3pPr>
+            <a:lvl4pPr marL="1371600" indent="0">
+              <a:buNone/>
+              <a:defRPr sz="1000"/>
+            </a:lvl4pPr>
+            <a:lvl5pPr marL="1828800" indent="0">
+              <a:buNone/>
+              <a:defRPr sz="1000"/>
+            </a:lvl5pPr>
+            <a:lvl6pPr marL="2286000" indent="0">
+              <a:buNone/>
+              <a:defRPr sz="1000"/>
+            </a:lvl6pPr>
+            <a:lvl7pPr marL="2743200" indent="0">
+              <a:buNone/>
+              <a:defRPr sz="1000"/>
+            </a:lvl7pPr>
+            <a:lvl8pPr marL="3200400" indent="0">
+              <a:buNone/>
+              <a:defRPr sz="1000"/>
+            </a:lvl8pPr>
+            <a:lvl9pPr marL="3657600" indent="0">
+              <a:buNone/>
+              <a:defRPr sz="1000"/>
+            </a:lvl9pPr>
+          </a:lstStyle>
+          <a:p>
+            <a:pPr lvl="0"/>
+            <a:r>
+              <a:rPr lang="en-US"/>
+              <a:t>Click to edit Master text styles</a:t>
+            </a:r>
+          </a:p>
+        </p:txBody>
+      </p:sp>
+      <p:sp>
+        <p:nvSpPr>
+          <p:cNvPr id="5" name="Date Placeholder 4">
+            <a:extLst>
+              <a:ext uri="{FF2B5EF4-FFF2-40B4-BE49-F238E27FC236}">
+                <a16:creationId xmlns:a16="http://schemas.microsoft.com/office/drawing/2014/main" id="{35079286-74A9-4033-B415-0B85388FD0B0}"/>
+              </a:ext>
+            </a:extLst>
+          </p:cNvPr>
+          <p:cNvSpPr>
+            <a:spLocks noGrp="1"/>
+          </p:cNvSpPr>
+          <p:nvPr>
+            <p:ph type="dt" sz="half" idx="10"/>
+          </p:nvPr>
+        </p:nvSpPr>
+        <p:spPr/>
+        <p:txBody>
+          <a:bodyPr/>
+          <a:lstStyle/>
+          <a:p>
+            <a:fld id="{A6212A67-7768-4719-B79F-BA9D7B0D72EF}" type="datetimeFigureOut">
+              <a:rPr lang="de-DE" smtClean="0"/>
+              <a:t>16.02.2023</a:t>
+            </a:fld>
+            <a:endParaRPr lang="de-DE"/>
+          </a:p>
+        </p:txBody>
+      </p:sp>
+      <p:sp>
+        <p:nvSpPr>
+          <p:cNvPr id="6" name="Footer Placeholder 5">
+            <a:extLst>
+              <a:ext uri="{FF2B5EF4-FFF2-40B4-BE49-F238E27FC236}">
+                <a16:creationId xmlns:a16="http://schemas.microsoft.com/office/drawing/2014/main" id="{A244EAA1-20C9-412B-B527-47870203BC56}"/>
+              </a:ext>
+            </a:extLst>
+          </p:cNvPr>
+          <p:cNvSpPr>
+            <a:spLocks noGrp="1"/>
+          </p:cNvSpPr>
+          <p:nvPr>
+            <p:ph type="ftr" sz="quarter" idx="11"/>
+          </p:nvPr>
+        </p:nvSpPr>
+        <p:spPr/>
+        <p:txBody>
+          <a:bodyPr/>
+          <a:lstStyle/>
+          <a:p>
+            <a:endParaRPr lang="de-DE"/>
+          </a:p>
+        </p:txBody>
+      </p:sp>
+      <p:sp>
+        <p:nvSpPr>
+          <p:cNvPr id="7" name="Slide Number Placeholder 6">
+            <a:extLst>
+              <a:ext uri="{FF2B5EF4-FFF2-40B4-BE49-F238E27FC236}">
+                <a16:creationId xmlns:a16="http://schemas.microsoft.com/office/drawing/2014/main" id="{4CC55AF2-C846-4D43-9750-927094897DD6}"/>
+              </a:ext>
+            </a:extLst>
+          </p:cNvPr>
+          <p:cNvSpPr>
+            <a:spLocks noGrp="1"/>
+          </p:cNvSpPr>
+          <p:nvPr>
+            <p:ph type="sldNum" sz="quarter" idx="12"/>
+          </p:nvPr>
+        </p:nvSpPr>
+        <p:spPr/>
+        <p:txBody>
+          <a:bodyPr/>
+          <a:lstStyle/>
+          <a:p>
+            <a:fld id="{4A6185A3-31D1-44B2-89FE-6D8E33F0F85B}" type="slidenum">
+              <a:rPr lang="de-DE" smtClean="0"/>
+              <a:t>‹#›</a:t>
+            </a:fld>
+            <a:endParaRPr lang="de-DE"/>
+          </a:p>
+        </p:txBody>
+      </p:sp>
+    </p:spTree>
+    <p:extLst>
+      <p:ext uri="{BB962C8B-B14F-4D97-AF65-F5344CB8AC3E}">
+        <p14:creationId xmlns:p14="http://schemas.microsoft.com/office/powerpoint/2010/main" val="306334593"/>
+      </p:ext>
+    </p:extLst>
+  </p:cSld>
+  <p:clrMapOvr>
+    <a:masterClrMapping/>
+  </p:clrMapOvr>
+</p:sldLayout>
+</file>
+
+<file path=ppt/slideLayouts/slideLayout21.xml><?xml version="1.0" encoding="utf-8"?>
+<p:sldLayout xmlns:a="http://schemas.openxmlformats.org/drawingml/2006/main" xmlns:r="http://schemas.openxmlformats.org/officeDocument/2006/relationships" xmlns:p="http://schemas.openxmlformats.org/presentationml/2006/main" type="vertTx" preserve="1">
+  <p:cSld name="Title and Vertical Text">
+    <p:spTree>
+      <p:nvGrpSpPr>
+        <p:cNvPr id="1" name=""/>
+        <p:cNvGrpSpPr/>
+        <p:nvPr/>
+      </p:nvGrpSpPr>
+      <p:grpSpPr>
+        <a:xfrm>
+          <a:off x="0" y="0"/>
+          <a:ext cx="0" cy="0"/>
+          <a:chOff x="0" y="0"/>
+          <a:chExt cx="0" cy="0"/>
+        </a:xfrm>
+      </p:grpSpPr>
+      <p:sp>
+        <p:nvSpPr>
+          <p:cNvPr id="2" name="Title 1">
+            <a:extLst>
+              <a:ext uri="{FF2B5EF4-FFF2-40B4-BE49-F238E27FC236}">
+                <a16:creationId xmlns:a16="http://schemas.microsoft.com/office/drawing/2014/main" id="{412CC725-9BFE-4E96-A180-01BE5C136C69}"/>
+              </a:ext>
+            </a:extLst>
+          </p:cNvPr>
+          <p:cNvSpPr>
+            <a:spLocks noGrp="1"/>
+          </p:cNvSpPr>
+          <p:nvPr>
+            <p:ph type="title"/>
+          </p:nvPr>
+        </p:nvSpPr>
+        <p:spPr/>
+        <p:txBody>
+          <a:bodyPr/>
+          <a:lstStyle/>
+          <a:p>
+            <a:r>
+              <a:rPr lang="en-US"/>
+              <a:t>Click to edit Master title style</a:t>
+            </a:r>
+            <a:endParaRPr lang="de-DE"/>
+          </a:p>
+        </p:txBody>
+      </p:sp>
+      <p:sp>
+        <p:nvSpPr>
+          <p:cNvPr id="3" name="Vertical Text Placeholder 2">
+            <a:extLst>
+              <a:ext uri="{FF2B5EF4-FFF2-40B4-BE49-F238E27FC236}">
+                <a16:creationId xmlns:a16="http://schemas.microsoft.com/office/drawing/2014/main" id="{25DD036F-24E3-4B28-881E-A6DEB1F2EF41}"/>
+              </a:ext>
+            </a:extLst>
+          </p:cNvPr>
+          <p:cNvSpPr>
+            <a:spLocks noGrp="1"/>
+          </p:cNvSpPr>
+          <p:nvPr>
+            <p:ph type="body" orient="vert" idx="1"/>
+          </p:nvPr>
+        </p:nvSpPr>
+        <p:spPr/>
+        <p:txBody>
+          <a:bodyPr vert="eaVert"/>
+          <a:lstStyle/>
+          <a:p>
+            <a:pPr lvl="0"/>
+            <a:r>
+              <a:rPr lang="en-US"/>
+              <a:t>Click to edit Master text styles</a:t>
+            </a:r>
+          </a:p>
+          <a:p>
+            <a:pPr lvl="1"/>
+            <a:r>
+              <a:rPr lang="en-US"/>
+              <a:t>Second level</a:t>
+            </a:r>
+          </a:p>
+          <a:p>
+            <a:pPr lvl="2"/>
+            <a:r>
+              <a:rPr lang="en-US"/>
+              <a:t>Third level</a:t>
+            </a:r>
+          </a:p>
+          <a:p>
+            <a:pPr lvl="3"/>
+            <a:r>
+              <a:rPr lang="en-US"/>
+              <a:t>Fourth level</a:t>
+            </a:r>
+          </a:p>
+          <a:p>
+            <a:pPr lvl="4"/>
+            <a:r>
+              <a:rPr lang="en-US"/>
+              <a:t>Fifth level</a:t>
+            </a:r>
+            <a:endParaRPr lang="de-DE"/>
+          </a:p>
+        </p:txBody>
+      </p:sp>
+      <p:sp>
+        <p:nvSpPr>
+          <p:cNvPr id="4" name="Date Placeholder 3">
+            <a:extLst>
+              <a:ext uri="{FF2B5EF4-FFF2-40B4-BE49-F238E27FC236}">
+                <a16:creationId xmlns:a16="http://schemas.microsoft.com/office/drawing/2014/main" id="{FD4CCDD3-E268-4A02-BCE0-7BC8650FAA60}"/>
+              </a:ext>
+            </a:extLst>
+          </p:cNvPr>
+          <p:cNvSpPr>
+            <a:spLocks noGrp="1"/>
+          </p:cNvSpPr>
+          <p:nvPr>
+            <p:ph type="dt" sz="half" idx="10"/>
+          </p:nvPr>
+        </p:nvSpPr>
+        <p:spPr/>
+        <p:txBody>
+          <a:bodyPr/>
+          <a:lstStyle/>
+          <a:p>
+            <a:fld id="{A6212A67-7768-4719-B79F-BA9D7B0D72EF}" type="datetimeFigureOut">
+              <a:rPr lang="de-DE" smtClean="0"/>
+              <a:t>16.02.2023</a:t>
+            </a:fld>
+            <a:endParaRPr lang="de-DE"/>
+          </a:p>
+        </p:txBody>
+      </p:sp>
+      <p:sp>
+        <p:nvSpPr>
+          <p:cNvPr id="5" name="Footer Placeholder 4">
+            <a:extLst>
+              <a:ext uri="{FF2B5EF4-FFF2-40B4-BE49-F238E27FC236}">
+                <a16:creationId xmlns:a16="http://schemas.microsoft.com/office/drawing/2014/main" id="{B265E33F-16F4-461E-BCA8-8334C53D6C61}"/>
+              </a:ext>
+            </a:extLst>
+          </p:cNvPr>
+          <p:cNvSpPr>
+            <a:spLocks noGrp="1"/>
+          </p:cNvSpPr>
+          <p:nvPr>
+            <p:ph type="ftr" sz="quarter" idx="11"/>
+          </p:nvPr>
+        </p:nvSpPr>
+        <p:spPr/>
+        <p:txBody>
+          <a:bodyPr/>
+          <a:lstStyle/>
+          <a:p>
+            <a:endParaRPr lang="de-DE"/>
+          </a:p>
+        </p:txBody>
+      </p:sp>
+      <p:sp>
+        <p:nvSpPr>
+          <p:cNvPr id="6" name="Slide Number Placeholder 5">
+            <a:extLst>
+              <a:ext uri="{FF2B5EF4-FFF2-40B4-BE49-F238E27FC236}">
+                <a16:creationId xmlns:a16="http://schemas.microsoft.com/office/drawing/2014/main" id="{EE09BB49-00A8-4FF7-84DD-20E8AF21ABB1}"/>
+              </a:ext>
+            </a:extLst>
+          </p:cNvPr>
+          <p:cNvSpPr>
+            <a:spLocks noGrp="1"/>
+          </p:cNvSpPr>
+          <p:nvPr>
+            <p:ph type="sldNum" sz="quarter" idx="12"/>
+          </p:nvPr>
+        </p:nvSpPr>
+        <p:spPr/>
+        <p:txBody>
+          <a:bodyPr/>
+          <a:lstStyle/>
+          <a:p>
+            <a:fld id="{4A6185A3-31D1-44B2-89FE-6D8E33F0F85B}" type="slidenum">
+              <a:rPr lang="de-DE" smtClean="0"/>
+              <a:t>‹#›</a:t>
+            </a:fld>
+            <a:endParaRPr lang="de-DE"/>
+          </a:p>
+        </p:txBody>
+      </p:sp>
+    </p:spTree>
+    <p:extLst>
+      <p:ext uri="{BB962C8B-B14F-4D97-AF65-F5344CB8AC3E}">
+        <p14:creationId xmlns:p14="http://schemas.microsoft.com/office/powerpoint/2010/main" val="4177918599"/>
+      </p:ext>
+    </p:extLst>
+  </p:cSld>
+  <p:clrMapOvr>
+    <a:masterClrMapping/>
+  </p:clrMapOvr>
+</p:sldLayout>
+</file>
+
+<file path=ppt/slideLayouts/slideLayout22.xml><?xml version="1.0" encoding="utf-8"?>
+<p:sldLayout xmlns:a="http://schemas.openxmlformats.org/drawingml/2006/main" xmlns:r="http://schemas.openxmlformats.org/officeDocument/2006/relationships" xmlns:p="http://schemas.openxmlformats.org/presentationml/2006/main" type="vertTitleAndTx" preserve="1">
+  <p:cSld name="Vertical Title and Text">
+    <p:spTree>
+      <p:nvGrpSpPr>
+        <p:cNvPr id="1" name=""/>
+        <p:cNvGrpSpPr/>
+        <p:nvPr/>
+      </p:nvGrpSpPr>
+      <p:grpSpPr>
+        <a:xfrm>
+          <a:off x="0" y="0"/>
+          <a:ext cx="0" cy="0"/>
+          <a:chOff x="0" y="0"/>
+          <a:chExt cx="0" cy="0"/>
+        </a:xfrm>
+      </p:grpSpPr>
+      <p:sp>
+        <p:nvSpPr>
+          <p:cNvPr id="2" name="Vertical Title 1">
+            <a:extLst>
+              <a:ext uri="{FF2B5EF4-FFF2-40B4-BE49-F238E27FC236}">
+                <a16:creationId xmlns:a16="http://schemas.microsoft.com/office/drawing/2014/main" id="{1BF545FE-2CC9-4F8B-B70F-77FD31EBC0DB}"/>
+              </a:ext>
+            </a:extLst>
+          </p:cNvPr>
+          <p:cNvSpPr>
+            <a:spLocks noGrp="1"/>
+          </p:cNvSpPr>
+          <p:nvPr>
+            <p:ph type="title" orient="vert"/>
+          </p:nvPr>
+        </p:nvSpPr>
+        <p:spPr>
+          <a:xfrm>
+            <a:off x="8724900" y="365125"/>
+            <a:ext cx="2628900" cy="5811838"/>
+          </a:xfrm>
+        </p:spPr>
+        <p:txBody>
+          <a:bodyPr vert="eaVert"/>
+          <a:lstStyle/>
+          <a:p>
+            <a:r>
+              <a:rPr lang="en-US"/>
+              <a:t>Click to edit Master title style</a:t>
+            </a:r>
+            <a:endParaRPr lang="de-DE"/>
+          </a:p>
+        </p:txBody>
+      </p:sp>
+      <p:sp>
+        <p:nvSpPr>
+          <p:cNvPr id="3" name="Vertical Text Placeholder 2">
+            <a:extLst>
+              <a:ext uri="{FF2B5EF4-FFF2-40B4-BE49-F238E27FC236}">
+                <a16:creationId xmlns:a16="http://schemas.microsoft.com/office/drawing/2014/main" id="{E7214466-EEC5-4CA9-8A26-263BCA3DE0C9}"/>
+              </a:ext>
+            </a:extLst>
+          </p:cNvPr>
+          <p:cNvSpPr>
+            <a:spLocks noGrp="1"/>
+          </p:cNvSpPr>
+          <p:nvPr>
+            <p:ph type="body" orient="vert" idx="1"/>
+          </p:nvPr>
+        </p:nvSpPr>
+        <p:spPr>
+          <a:xfrm>
+            <a:off x="838200" y="365125"/>
+            <a:ext cx="7734300" cy="5811838"/>
+          </a:xfrm>
+        </p:spPr>
+        <p:txBody>
+          <a:bodyPr vert="eaVert"/>
+          <a:lstStyle/>
+          <a:p>
+            <a:pPr lvl="0"/>
+            <a:r>
+              <a:rPr lang="en-US"/>
+              <a:t>Click to edit Master text styles</a:t>
+            </a:r>
+          </a:p>
+          <a:p>
+            <a:pPr lvl="1"/>
+            <a:r>
+              <a:rPr lang="en-US"/>
+              <a:t>Second level</a:t>
+            </a:r>
+          </a:p>
+          <a:p>
+            <a:pPr lvl="2"/>
+            <a:r>
+              <a:rPr lang="en-US"/>
+              <a:t>Third level</a:t>
+            </a:r>
+          </a:p>
+          <a:p>
+            <a:pPr lvl="3"/>
+            <a:r>
+              <a:rPr lang="en-US"/>
+              <a:t>Fourth level</a:t>
+            </a:r>
+          </a:p>
+          <a:p>
+            <a:pPr lvl="4"/>
+            <a:r>
+              <a:rPr lang="en-US"/>
+              <a:t>Fifth level</a:t>
+            </a:r>
+            <a:endParaRPr lang="de-DE"/>
+          </a:p>
+        </p:txBody>
+      </p:sp>
+      <p:sp>
+        <p:nvSpPr>
+          <p:cNvPr id="4" name="Date Placeholder 3">
+            <a:extLst>
+              <a:ext uri="{FF2B5EF4-FFF2-40B4-BE49-F238E27FC236}">
+                <a16:creationId xmlns:a16="http://schemas.microsoft.com/office/drawing/2014/main" id="{FDB3808E-7CE2-4179-92C5-A26A74BF2836}"/>
+              </a:ext>
+            </a:extLst>
+          </p:cNvPr>
+          <p:cNvSpPr>
+            <a:spLocks noGrp="1"/>
+          </p:cNvSpPr>
+          <p:nvPr>
+            <p:ph type="dt" sz="half" idx="10"/>
+          </p:nvPr>
+        </p:nvSpPr>
+        <p:spPr/>
+        <p:txBody>
+          <a:bodyPr/>
+          <a:lstStyle/>
+          <a:p>
+            <a:fld id="{A6212A67-7768-4719-B79F-BA9D7B0D72EF}" type="datetimeFigureOut">
+              <a:rPr lang="de-DE" smtClean="0"/>
+              <a:t>16.02.2023</a:t>
+            </a:fld>
+            <a:endParaRPr lang="de-DE"/>
+          </a:p>
+        </p:txBody>
+      </p:sp>
+      <p:sp>
+        <p:nvSpPr>
+          <p:cNvPr id="5" name="Footer Placeholder 4">
+            <a:extLst>
+              <a:ext uri="{FF2B5EF4-FFF2-40B4-BE49-F238E27FC236}">
+                <a16:creationId xmlns:a16="http://schemas.microsoft.com/office/drawing/2014/main" id="{973C26C8-30D5-483A-B930-3888DB65DAEB}"/>
+              </a:ext>
+            </a:extLst>
+          </p:cNvPr>
+          <p:cNvSpPr>
+            <a:spLocks noGrp="1"/>
+          </p:cNvSpPr>
+          <p:nvPr>
+            <p:ph type="ftr" sz="quarter" idx="11"/>
+          </p:nvPr>
+        </p:nvSpPr>
+        <p:spPr/>
+        <p:txBody>
+          <a:bodyPr/>
+          <a:lstStyle/>
+          <a:p>
+            <a:endParaRPr lang="de-DE"/>
+          </a:p>
+        </p:txBody>
+      </p:sp>
+      <p:sp>
+        <p:nvSpPr>
+          <p:cNvPr id="6" name="Slide Number Placeholder 5">
+            <a:extLst>
+              <a:ext uri="{FF2B5EF4-FFF2-40B4-BE49-F238E27FC236}">
+                <a16:creationId xmlns:a16="http://schemas.microsoft.com/office/drawing/2014/main" id="{DCE33133-30ED-4133-A691-84EBB651423B}"/>
+              </a:ext>
+            </a:extLst>
+          </p:cNvPr>
+          <p:cNvSpPr>
+            <a:spLocks noGrp="1"/>
+          </p:cNvSpPr>
+          <p:nvPr>
+            <p:ph type="sldNum" sz="quarter" idx="12"/>
+          </p:nvPr>
+        </p:nvSpPr>
+        <p:spPr/>
+        <p:txBody>
+          <a:bodyPr/>
+          <a:lstStyle/>
+          <a:p>
+            <a:fld id="{4A6185A3-31D1-44B2-89FE-6D8E33F0F85B}" type="slidenum">
+              <a:rPr lang="de-DE" smtClean="0"/>
+              <a:t>‹#›</a:t>
+            </a:fld>
+            <a:endParaRPr lang="de-DE"/>
+          </a:p>
+        </p:txBody>
+      </p:sp>
+    </p:spTree>
+    <p:extLst>
+      <p:ext uri="{BB962C8B-B14F-4D97-AF65-F5344CB8AC3E}">
+        <p14:creationId xmlns:p14="http://schemas.microsoft.com/office/powerpoint/2010/main" val="1859042033"/>
       </p:ext>
     </p:extLst>
   </p:cSld>
@@ -1014,7 +3694,7 @@
           <a:p>
             <a:fld id="{11055433-DDDA-1147-A71A-BE0AE55CB161}" type="datetimeFigureOut">
               <a:rPr lang="en-DE" smtClean="0"/>
-              <a:t>22.10.21</a:t>
+              <a:t>16/02/2023</a:t>
             </a:fld>
             <a:endParaRPr lang="en-DE"/>
           </a:p>
@@ -1282,7 +3962,7 @@
           <a:p>
             <a:fld id="{11055433-DDDA-1147-A71A-BE0AE55CB161}" type="datetimeFigureOut">
               <a:rPr lang="en-DE" smtClean="0"/>
-              <a:t>22.10.21</a:t>
+              <a:t>16/02/2023</a:t>
             </a:fld>
             <a:endParaRPr lang="en-DE"/>
           </a:p>
@@ -1697,7 +4377,7 @@
           <a:p>
             <a:fld id="{11055433-DDDA-1147-A71A-BE0AE55CB161}" type="datetimeFigureOut">
               <a:rPr lang="en-DE" smtClean="0"/>
-              <a:t>22.10.21</a:t>
+              <a:t>16/02/2023</a:t>
             </a:fld>
             <a:endParaRPr lang="en-DE"/>
           </a:p>
@@ -1839,7 +4519,7 @@
           <a:p>
             <a:fld id="{11055433-DDDA-1147-A71A-BE0AE55CB161}" type="datetimeFigureOut">
               <a:rPr lang="en-DE" smtClean="0"/>
-              <a:t>22.10.21</a:t>
+              <a:t>16/02/2023</a:t>
             </a:fld>
             <a:endParaRPr lang="en-DE"/>
           </a:p>
@@ -1952,7 +4632,7 @@
           <a:p>
             <a:fld id="{11055433-DDDA-1147-A71A-BE0AE55CB161}" type="datetimeFigureOut">
               <a:rPr lang="en-DE" smtClean="0"/>
-              <a:t>22.10.21</a:t>
+              <a:t>16/02/2023</a:t>
             </a:fld>
             <a:endParaRPr lang="en-DE"/>
           </a:p>
@@ -2265,7 +4945,7 @@
           <a:p>
             <a:fld id="{11055433-DDDA-1147-A71A-BE0AE55CB161}" type="datetimeFigureOut">
               <a:rPr lang="en-DE" smtClean="0"/>
-              <a:t>22.10.21</a:t>
+              <a:t>16/02/2023</a:t>
             </a:fld>
             <a:endParaRPr lang="en-DE"/>
           </a:p>
@@ -2554,7 +5234,7 @@
           <a:p>
             <a:fld id="{11055433-DDDA-1147-A71A-BE0AE55CB161}" type="datetimeFigureOut">
               <a:rPr lang="en-DE" smtClean="0"/>
-              <a:t>22.10.21</a:t>
+              <a:t>16/02/2023</a:t>
             </a:fld>
             <a:endParaRPr lang="en-DE"/>
           </a:p>
@@ -2797,7 +5477,7 @@
           <a:p>
             <a:fld id="{11055433-DDDA-1147-A71A-BE0AE55CB161}" type="datetimeFigureOut">
               <a:rPr lang="en-DE" smtClean="0"/>
-              <a:t>22.10.21</a:t>
+              <a:t>16/02/2023</a:t>
             </a:fld>
             <a:endParaRPr lang="en-DE"/>
           </a:p>
@@ -3101,6 +5781,576 @@
     <p:otherStyle>
       <a:defPPr>
         <a:defRPr lang="en-DE"/>
+      </a:defPPr>
+      <a:lvl1pPr marL="0" algn="l" defTabSz="914400" rtl="0" eaLnBrk="1" latinLnBrk="0" hangingPunct="1">
+        <a:defRPr sz="1800" kern="1200">
+          <a:solidFill>
+            <a:schemeClr val="tx1"/>
+          </a:solidFill>
+          <a:latin typeface="+mn-lt"/>
+          <a:ea typeface="+mn-ea"/>
+          <a:cs typeface="+mn-cs"/>
+        </a:defRPr>
+      </a:lvl1pPr>
+      <a:lvl2pPr marL="457200" algn="l" defTabSz="914400" rtl="0" eaLnBrk="1" latinLnBrk="0" hangingPunct="1">
+        <a:defRPr sz="1800" kern="1200">
+          <a:solidFill>
+            <a:schemeClr val="tx1"/>
+          </a:solidFill>
+          <a:latin typeface="+mn-lt"/>
+          <a:ea typeface="+mn-ea"/>
+          <a:cs typeface="+mn-cs"/>
+        </a:defRPr>
+      </a:lvl2pPr>
+      <a:lvl3pPr marL="914400" algn="l" defTabSz="914400" rtl="0" eaLnBrk="1" latinLnBrk="0" hangingPunct="1">
+        <a:defRPr sz="1800" kern="1200">
+          <a:solidFill>
+            <a:schemeClr val="tx1"/>
+          </a:solidFill>
+          <a:latin typeface="+mn-lt"/>
+          <a:ea typeface="+mn-ea"/>
+          <a:cs typeface="+mn-cs"/>
+        </a:defRPr>
+      </a:lvl3pPr>
+      <a:lvl4pPr marL="1371600" algn="l" defTabSz="914400" rtl="0" eaLnBrk="1" latinLnBrk="0" hangingPunct="1">
+        <a:defRPr sz="1800" kern="1200">
+          <a:solidFill>
+            <a:schemeClr val="tx1"/>
+          </a:solidFill>
+          <a:latin typeface="+mn-lt"/>
+          <a:ea typeface="+mn-ea"/>
+          <a:cs typeface="+mn-cs"/>
+        </a:defRPr>
+      </a:lvl4pPr>
+      <a:lvl5pPr marL="1828800" algn="l" defTabSz="914400" rtl="0" eaLnBrk="1" latinLnBrk="0" hangingPunct="1">
+        <a:defRPr sz="1800" kern="1200">
+          <a:solidFill>
+            <a:schemeClr val="tx1"/>
+          </a:solidFill>
+          <a:latin typeface="+mn-lt"/>
+          <a:ea typeface="+mn-ea"/>
+          <a:cs typeface="+mn-cs"/>
+        </a:defRPr>
+      </a:lvl5pPr>
+      <a:lvl6pPr marL="2286000" algn="l" defTabSz="914400" rtl="0" eaLnBrk="1" latinLnBrk="0" hangingPunct="1">
+        <a:defRPr sz="1800" kern="1200">
+          <a:solidFill>
+            <a:schemeClr val="tx1"/>
+          </a:solidFill>
+          <a:latin typeface="+mn-lt"/>
+          <a:ea typeface="+mn-ea"/>
+          <a:cs typeface="+mn-cs"/>
+        </a:defRPr>
+      </a:lvl6pPr>
+      <a:lvl7pPr marL="2743200" algn="l" defTabSz="914400" rtl="0" eaLnBrk="1" latinLnBrk="0" hangingPunct="1">
+        <a:defRPr sz="1800" kern="1200">
+          <a:solidFill>
+            <a:schemeClr val="tx1"/>
+          </a:solidFill>
+          <a:latin typeface="+mn-lt"/>
+          <a:ea typeface="+mn-ea"/>
+          <a:cs typeface="+mn-cs"/>
+        </a:defRPr>
+      </a:lvl7pPr>
+      <a:lvl8pPr marL="3200400" algn="l" defTabSz="914400" rtl="0" eaLnBrk="1" latinLnBrk="0" hangingPunct="1">
+        <a:defRPr sz="1800" kern="1200">
+          <a:solidFill>
+            <a:schemeClr val="tx1"/>
+          </a:solidFill>
+          <a:latin typeface="+mn-lt"/>
+          <a:ea typeface="+mn-ea"/>
+          <a:cs typeface="+mn-cs"/>
+        </a:defRPr>
+      </a:lvl8pPr>
+      <a:lvl9pPr marL="3657600" algn="l" defTabSz="914400" rtl="0" eaLnBrk="1" latinLnBrk="0" hangingPunct="1">
+        <a:defRPr sz="1800" kern="1200">
+          <a:solidFill>
+            <a:schemeClr val="tx1"/>
+          </a:solidFill>
+          <a:latin typeface="+mn-lt"/>
+          <a:ea typeface="+mn-ea"/>
+          <a:cs typeface="+mn-cs"/>
+        </a:defRPr>
+      </a:lvl9pPr>
+    </p:otherStyle>
+  </p:txStyles>
+</p:sldMaster>
+</file>
+
+<file path=ppt/slideMasters/slideMaster2.xml><?xml version="1.0" encoding="utf-8"?>
+<p:sldMaster xmlns:a="http://schemas.openxmlformats.org/drawingml/2006/main" xmlns:r="http://schemas.openxmlformats.org/officeDocument/2006/relationships" xmlns:p="http://schemas.openxmlformats.org/presentationml/2006/main" preserve="1">
+  <p:cSld>
+    <p:bg>
+      <p:bgRef idx="1001">
+        <a:schemeClr val="bg1"/>
+      </p:bgRef>
+    </p:bg>
+    <p:spTree>
+      <p:nvGrpSpPr>
+        <p:cNvPr id="1" name=""/>
+        <p:cNvGrpSpPr/>
+        <p:nvPr/>
+      </p:nvGrpSpPr>
+      <p:grpSpPr>
+        <a:xfrm>
+          <a:off x="0" y="0"/>
+          <a:ext cx="0" cy="0"/>
+          <a:chOff x="0" y="0"/>
+          <a:chExt cx="0" cy="0"/>
+        </a:xfrm>
+      </p:grpSpPr>
+      <p:sp>
+        <p:nvSpPr>
+          <p:cNvPr id="2" name="Title Placeholder 1">
+            <a:extLst>
+              <a:ext uri="{FF2B5EF4-FFF2-40B4-BE49-F238E27FC236}">
+                <a16:creationId xmlns:a16="http://schemas.microsoft.com/office/drawing/2014/main" id="{D44886C7-847E-400E-8CE9-EB44290BE3CF}"/>
+              </a:ext>
+            </a:extLst>
+          </p:cNvPr>
+          <p:cNvSpPr>
+            <a:spLocks noGrp="1"/>
+          </p:cNvSpPr>
+          <p:nvPr>
+            <p:ph type="title"/>
+          </p:nvPr>
+        </p:nvSpPr>
+        <p:spPr>
+          <a:xfrm>
+            <a:off x="838200" y="365125"/>
+            <a:ext cx="10515600" cy="1325563"/>
+          </a:xfrm>
+          <a:prstGeom prst="rect">
+            <a:avLst/>
+          </a:prstGeom>
+        </p:spPr>
+        <p:txBody>
+          <a:bodyPr vert="horz" lIns="91440" tIns="45720" rIns="91440" bIns="45720" rtlCol="0" anchor="ctr">
+            <a:normAutofit/>
+          </a:bodyPr>
+          <a:lstStyle/>
+          <a:p>
+            <a:r>
+              <a:rPr lang="en-US"/>
+              <a:t>Click to edit Master title style</a:t>
+            </a:r>
+            <a:endParaRPr lang="de-DE"/>
+          </a:p>
+        </p:txBody>
+      </p:sp>
+      <p:sp>
+        <p:nvSpPr>
+          <p:cNvPr id="3" name="Text Placeholder 2">
+            <a:extLst>
+              <a:ext uri="{FF2B5EF4-FFF2-40B4-BE49-F238E27FC236}">
+                <a16:creationId xmlns:a16="http://schemas.microsoft.com/office/drawing/2014/main" id="{867645B7-55FC-4B72-BAAA-6253ED7747D1}"/>
+              </a:ext>
+            </a:extLst>
+          </p:cNvPr>
+          <p:cNvSpPr>
+            <a:spLocks noGrp="1"/>
+          </p:cNvSpPr>
+          <p:nvPr>
+            <p:ph type="body" idx="1"/>
+          </p:nvPr>
+        </p:nvSpPr>
+        <p:spPr>
+          <a:xfrm>
+            <a:off x="838200" y="1825625"/>
+            <a:ext cx="10515600" cy="4351338"/>
+          </a:xfrm>
+          <a:prstGeom prst="rect">
+            <a:avLst/>
+          </a:prstGeom>
+        </p:spPr>
+        <p:txBody>
+          <a:bodyPr vert="horz" lIns="91440" tIns="45720" rIns="91440" bIns="45720" rtlCol="0">
+            <a:normAutofit/>
+          </a:bodyPr>
+          <a:lstStyle/>
+          <a:p>
+            <a:pPr lvl="0"/>
+            <a:r>
+              <a:rPr lang="en-US"/>
+              <a:t>Click to edit Master text styles</a:t>
+            </a:r>
+          </a:p>
+          <a:p>
+            <a:pPr lvl="1"/>
+            <a:r>
+              <a:rPr lang="en-US"/>
+              <a:t>Second level</a:t>
+            </a:r>
+          </a:p>
+          <a:p>
+            <a:pPr lvl="2"/>
+            <a:r>
+              <a:rPr lang="en-US"/>
+              <a:t>Third level</a:t>
+            </a:r>
+          </a:p>
+          <a:p>
+            <a:pPr lvl="3"/>
+            <a:r>
+              <a:rPr lang="en-US"/>
+              <a:t>Fourth level</a:t>
+            </a:r>
+          </a:p>
+          <a:p>
+            <a:pPr lvl="4"/>
+            <a:r>
+              <a:rPr lang="en-US"/>
+              <a:t>Fifth level</a:t>
+            </a:r>
+            <a:endParaRPr lang="de-DE"/>
+          </a:p>
+        </p:txBody>
+      </p:sp>
+      <p:sp>
+        <p:nvSpPr>
+          <p:cNvPr id="4" name="Date Placeholder 3">
+            <a:extLst>
+              <a:ext uri="{FF2B5EF4-FFF2-40B4-BE49-F238E27FC236}">
+                <a16:creationId xmlns:a16="http://schemas.microsoft.com/office/drawing/2014/main" id="{ACEB33F7-6DD1-4CAD-B72C-798B6ED0DCA6}"/>
+              </a:ext>
+            </a:extLst>
+          </p:cNvPr>
+          <p:cNvSpPr>
+            <a:spLocks noGrp="1"/>
+          </p:cNvSpPr>
+          <p:nvPr>
+            <p:ph type="dt" sz="half" idx="2"/>
+          </p:nvPr>
+        </p:nvSpPr>
+        <p:spPr>
+          <a:xfrm>
+            <a:off x="838200" y="6356350"/>
+            <a:ext cx="2743200" cy="365125"/>
+          </a:xfrm>
+          <a:prstGeom prst="rect">
+            <a:avLst/>
+          </a:prstGeom>
+        </p:spPr>
+        <p:txBody>
+          <a:bodyPr vert="horz" lIns="91440" tIns="45720" rIns="91440" bIns="45720" rtlCol="0" anchor="ctr"/>
+          <a:lstStyle>
+            <a:lvl1pPr algn="l">
+              <a:defRPr sz="1200">
+                <a:solidFill>
+                  <a:schemeClr val="tx1">
+                    <a:tint val="75000"/>
+                  </a:schemeClr>
+                </a:solidFill>
+              </a:defRPr>
+            </a:lvl1pPr>
+          </a:lstStyle>
+          <a:p>
+            <a:fld id="{A6212A67-7768-4719-B79F-BA9D7B0D72EF}" type="datetimeFigureOut">
+              <a:rPr lang="de-DE" smtClean="0"/>
+              <a:t>16.02.2023</a:t>
+            </a:fld>
+            <a:endParaRPr lang="de-DE"/>
+          </a:p>
+        </p:txBody>
+      </p:sp>
+      <p:sp>
+        <p:nvSpPr>
+          <p:cNvPr id="5" name="Footer Placeholder 4">
+            <a:extLst>
+              <a:ext uri="{FF2B5EF4-FFF2-40B4-BE49-F238E27FC236}">
+                <a16:creationId xmlns:a16="http://schemas.microsoft.com/office/drawing/2014/main" id="{A1FF0BC1-63AF-4CCE-826E-190A6716039E}"/>
+              </a:ext>
+            </a:extLst>
+          </p:cNvPr>
+          <p:cNvSpPr>
+            <a:spLocks noGrp="1"/>
+          </p:cNvSpPr>
+          <p:nvPr>
+            <p:ph type="ftr" sz="quarter" idx="3"/>
+          </p:nvPr>
+        </p:nvSpPr>
+        <p:spPr>
+          <a:xfrm>
+            <a:off x="4038600" y="6356350"/>
+            <a:ext cx="4114800" cy="365125"/>
+          </a:xfrm>
+          <a:prstGeom prst="rect">
+            <a:avLst/>
+          </a:prstGeom>
+        </p:spPr>
+        <p:txBody>
+          <a:bodyPr vert="horz" lIns="91440" tIns="45720" rIns="91440" bIns="45720" rtlCol="0" anchor="ctr"/>
+          <a:lstStyle>
+            <a:lvl1pPr algn="ctr">
+              <a:defRPr sz="1200">
+                <a:solidFill>
+                  <a:schemeClr val="tx1">
+                    <a:tint val="75000"/>
+                  </a:schemeClr>
+                </a:solidFill>
+              </a:defRPr>
+            </a:lvl1pPr>
+          </a:lstStyle>
+          <a:p>
+            <a:endParaRPr lang="de-DE"/>
+          </a:p>
+        </p:txBody>
+      </p:sp>
+      <p:sp>
+        <p:nvSpPr>
+          <p:cNvPr id="6" name="Slide Number Placeholder 5">
+            <a:extLst>
+              <a:ext uri="{FF2B5EF4-FFF2-40B4-BE49-F238E27FC236}">
+                <a16:creationId xmlns:a16="http://schemas.microsoft.com/office/drawing/2014/main" id="{548B84DD-4A9E-4F51-BEC2-D9B87F32B549}"/>
+              </a:ext>
+            </a:extLst>
+          </p:cNvPr>
+          <p:cNvSpPr>
+            <a:spLocks noGrp="1"/>
+          </p:cNvSpPr>
+          <p:nvPr>
+            <p:ph type="sldNum" sz="quarter" idx="4"/>
+          </p:nvPr>
+        </p:nvSpPr>
+        <p:spPr>
+          <a:xfrm>
+            <a:off x="8610600" y="6356350"/>
+            <a:ext cx="2743200" cy="365125"/>
+          </a:xfrm>
+          <a:prstGeom prst="rect">
+            <a:avLst/>
+          </a:prstGeom>
+        </p:spPr>
+        <p:txBody>
+          <a:bodyPr vert="horz" lIns="91440" tIns="45720" rIns="91440" bIns="45720" rtlCol="0" anchor="ctr"/>
+          <a:lstStyle>
+            <a:lvl1pPr algn="r">
+              <a:defRPr sz="1200">
+                <a:solidFill>
+                  <a:schemeClr val="tx1">
+                    <a:tint val="75000"/>
+                  </a:schemeClr>
+                </a:solidFill>
+              </a:defRPr>
+            </a:lvl1pPr>
+          </a:lstStyle>
+          <a:p>
+            <a:fld id="{4A6185A3-31D1-44B2-89FE-6D8E33F0F85B}" type="slidenum">
+              <a:rPr lang="de-DE" smtClean="0"/>
+              <a:t>‹#›</a:t>
+            </a:fld>
+            <a:endParaRPr lang="de-DE"/>
+          </a:p>
+        </p:txBody>
+      </p:sp>
+    </p:spTree>
+    <p:extLst>
+      <p:ext uri="{BB962C8B-B14F-4D97-AF65-F5344CB8AC3E}">
+        <p14:creationId xmlns:p14="http://schemas.microsoft.com/office/powerpoint/2010/main" val="4080288280"/>
+      </p:ext>
+    </p:extLst>
+  </p:cSld>
+  <p:clrMap bg1="lt1" tx1="dk1" bg2="lt2" tx2="dk2" accent1="accent1" accent2="accent2" accent3="accent3" accent4="accent4" accent5="accent5" accent6="accent6" hlink="hlink" folHlink="folHlink"/>
+  <p:sldLayoutIdLst>
+    <p:sldLayoutId id="2147483661" r:id="rId1"/>
+    <p:sldLayoutId id="2147483662" r:id="rId2"/>
+    <p:sldLayoutId id="2147483663" r:id="rId3"/>
+    <p:sldLayoutId id="2147483664" r:id="rId4"/>
+    <p:sldLayoutId id="2147483665" r:id="rId5"/>
+    <p:sldLayoutId id="2147483666" r:id="rId6"/>
+    <p:sldLayoutId id="2147483667" r:id="rId7"/>
+    <p:sldLayoutId id="2147483668" r:id="rId8"/>
+    <p:sldLayoutId id="2147483669" r:id="rId9"/>
+    <p:sldLayoutId id="2147483670" r:id="rId10"/>
+    <p:sldLayoutId id="2147483671" r:id="rId11"/>
+  </p:sldLayoutIdLst>
+  <p:txStyles>
+    <p:titleStyle>
+      <a:lvl1pPr algn="l" defTabSz="914400" rtl="0" eaLnBrk="1" latinLnBrk="0" hangingPunct="1">
+        <a:lnSpc>
+          <a:spcPct val="90000"/>
+        </a:lnSpc>
+        <a:spcBef>
+          <a:spcPct val="0"/>
+        </a:spcBef>
+        <a:buNone/>
+        <a:defRPr sz="4400" kern="1200">
+          <a:solidFill>
+            <a:schemeClr val="tx1"/>
+          </a:solidFill>
+          <a:latin typeface="+mj-lt"/>
+          <a:ea typeface="+mj-ea"/>
+          <a:cs typeface="+mj-cs"/>
+        </a:defRPr>
+      </a:lvl1pPr>
+    </p:titleStyle>
+    <p:bodyStyle>
+      <a:lvl1pPr marL="228600" indent="-228600" algn="l" defTabSz="914400" rtl="0" eaLnBrk="1" latinLnBrk="0" hangingPunct="1">
+        <a:lnSpc>
+          <a:spcPct val="90000"/>
+        </a:lnSpc>
+        <a:spcBef>
+          <a:spcPts val="1000"/>
+        </a:spcBef>
+        <a:buFont typeface="Arial" panose="020B0604020202020204" pitchFamily="34" charset="0"/>
+        <a:buChar char="•"/>
+        <a:defRPr sz="2800" kern="1200">
+          <a:solidFill>
+            <a:schemeClr val="tx1"/>
+          </a:solidFill>
+          <a:latin typeface="+mn-lt"/>
+          <a:ea typeface="+mn-ea"/>
+          <a:cs typeface="+mn-cs"/>
+        </a:defRPr>
+      </a:lvl1pPr>
+      <a:lvl2pPr marL="685800" indent="-228600" algn="l" defTabSz="914400" rtl="0" eaLnBrk="1" latinLnBrk="0" hangingPunct="1">
+        <a:lnSpc>
+          <a:spcPct val="90000"/>
+        </a:lnSpc>
+        <a:spcBef>
+          <a:spcPts val="500"/>
+        </a:spcBef>
+        <a:buFont typeface="Arial" panose="020B0604020202020204" pitchFamily="34" charset="0"/>
+        <a:buChar char="•"/>
+        <a:defRPr sz="2400" kern="1200">
+          <a:solidFill>
+            <a:schemeClr val="tx1"/>
+          </a:solidFill>
+          <a:latin typeface="+mn-lt"/>
+          <a:ea typeface="+mn-ea"/>
+          <a:cs typeface="+mn-cs"/>
+        </a:defRPr>
+      </a:lvl2pPr>
+      <a:lvl3pPr marL="1143000" indent="-228600" algn="l" defTabSz="914400" rtl="0" eaLnBrk="1" latinLnBrk="0" hangingPunct="1">
+        <a:lnSpc>
+          <a:spcPct val="90000"/>
+        </a:lnSpc>
+        <a:spcBef>
+          <a:spcPts val="500"/>
+        </a:spcBef>
+        <a:buFont typeface="Arial" panose="020B0604020202020204" pitchFamily="34" charset="0"/>
+        <a:buChar char="•"/>
+        <a:defRPr sz="2000" kern="1200">
+          <a:solidFill>
+            <a:schemeClr val="tx1"/>
+          </a:solidFill>
+          <a:latin typeface="+mn-lt"/>
+          <a:ea typeface="+mn-ea"/>
+          <a:cs typeface="+mn-cs"/>
+        </a:defRPr>
+      </a:lvl3pPr>
+      <a:lvl4pPr marL="1600200" indent="-228600" algn="l" defTabSz="914400" rtl="0" eaLnBrk="1" latinLnBrk="0" hangingPunct="1">
+        <a:lnSpc>
+          <a:spcPct val="90000"/>
+        </a:lnSpc>
+        <a:spcBef>
+          <a:spcPts val="500"/>
+        </a:spcBef>
+        <a:buFont typeface="Arial" panose="020B0604020202020204" pitchFamily="34" charset="0"/>
+        <a:buChar char="•"/>
+        <a:defRPr sz="1800" kern="1200">
+          <a:solidFill>
+            <a:schemeClr val="tx1"/>
+          </a:solidFill>
+          <a:latin typeface="+mn-lt"/>
+          <a:ea typeface="+mn-ea"/>
+          <a:cs typeface="+mn-cs"/>
+        </a:defRPr>
+      </a:lvl4pPr>
+      <a:lvl5pPr marL="2057400" indent="-228600" algn="l" defTabSz="914400" rtl="0" eaLnBrk="1" latinLnBrk="0" hangingPunct="1">
+        <a:lnSpc>
+          <a:spcPct val="90000"/>
+        </a:lnSpc>
+        <a:spcBef>
+          <a:spcPts val="500"/>
+        </a:spcBef>
+        <a:buFont typeface="Arial" panose="020B0604020202020204" pitchFamily="34" charset="0"/>
+        <a:buChar char="•"/>
+        <a:defRPr sz="1800" kern="1200">
+          <a:solidFill>
+            <a:schemeClr val="tx1"/>
+          </a:solidFill>
+          <a:latin typeface="+mn-lt"/>
+          <a:ea typeface="+mn-ea"/>
+          <a:cs typeface="+mn-cs"/>
+        </a:defRPr>
+      </a:lvl5pPr>
+      <a:lvl6pPr marL="2514600" indent="-228600" algn="l" defTabSz="914400" rtl="0" eaLnBrk="1" latinLnBrk="0" hangingPunct="1">
+        <a:lnSpc>
+          <a:spcPct val="90000"/>
+        </a:lnSpc>
+        <a:spcBef>
+          <a:spcPts val="500"/>
+        </a:spcBef>
+        <a:buFont typeface="Arial" panose="020B0604020202020204" pitchFamily="34" charset="0"/>
+        <a:buChar char="•"/>
+        <a:defRPr sz="1800" kern="1200">
+          <a:solidFill>
+            <a:schemeClr val="tx1"/>
+          </a:solidFill>
+          <a:latin typeface="+mn-lt"/>
+          <a:ea typeface="+mn-ea"/>
+          <a:cs typeface="+mn-cs"/>
+        </a:defRPr>
+      </a:lvl6pPr>
+      <a:lvl7pPr marL="2971800" indent="-228600" algn="l" defTabSz="914400" rtl="0" eaLnBrk="1" latinLnBrk="0" hangingPunct="1">
+        <a:lnSpc>
+          <a:spcPct val="90000"/>
+        </a:lnSpc>
+        <a:spcBef>
+          <a:spcPts val="500"/>
+        </a:spcBef>
+        <a:buFont typeface="Arial" panose="020B0604020202020204" pitchFamily="34" charset="0"/>
+        <a:buChar char="•"/>
+        <a:defRPr sz="1800" kern="1200">
+          <a:solidFill>
+            <a:schemeClr val="tx1"/>
+          </a:solidFill>
+          <a:latin typeface="+mn-lt"/>
+          <a:ea typeface="+mn-ea"/>
+          <a:cs typeface="+mn-cs"/>
+        </a:defRPr>
+      </a:lvl7pPr>
+      <a:lvl8pPr marL="3429000" indent="-228600" algn="l" defTabSz="914400" rtl="0" eaLnBrk="1" latinLnBrk="0" hangingPunct="1">
+        <a:lnSpc>
+          <a:spcPct val="90000"/>
+        </a:lnSpc>
+        <a:spcBef>
+          <a:spcPts val="500"/>
+        </a:spcBef>
+        <a:buFont typeface="Arial" panose="020B0604020202020204" pitchFamily="34" charset="0"/>
+        <a:buChar char="•"/>
+        <a:defRPr sz="1800" kern="1200">
+          <a:solidFill>
+            <a:schemeClr val="tx1"/>
+          </a:solidFill>
+          <a:latin typeface="+mn-lt"/>
+          <a:ea typeface="+mn-ea"/>
+          <a:cs typeface="+mn-cs"/>
+        </a:defRPr>
+      </a:lvl8pPr>
+      <a:lvl9pPr marL="3886200" indent="-228600" algn="l" defTabSz="914400" rtl="0" eaLnBrk="1" latinLnBrk="0" hangingPunct="1">
+        <a:lnSpc>
+          <a:spcPct val="90000"/>
+        </a:lnSpc>
+        <a:spcBef>
+          <a:spcPts val="500"/>
+        </a:spcBef>
+        <a:buFont typeface="Arial" panose="020B0604020202020204" pitchFamily="34" charset="0"/>
+        <a:buChar char="•"/>
+        <a:defRPr sz="1800" kern="1200">
+          <a:solidFill>
+            <a:schemeClr val="tx1"/>
+          </a:solidFill>
+          <a:latin typeface="+mn-lt"/>
+          <a:ea typeface="+mn-ea"/>
+          <a:cs typeface="+mn-cs"/>
+        </a:defRPr>
+      </a:lvl9pPr>
+    </p:bodyStyle>
+    <p:otherStyle>
+      <a:defPPr>
+        <a:defRPr lang="de-DE"/>
       </a:defPPr>
       <a:lvl1pPr marL="0" algn="l" defTabSz="914400" rtl="0" eaLnBrk="1" latinLnBrk="0" hangingPunct="1">
         <a:defRPr sz="1800" kern="1200">
@@ -4187,4 +7437,299 @@
     </a:ext>
   </a:extLst>
 </a:theme>
+</file>
+
+<file path=ppt/theme/theme2.xml><?xml version="1.0" encoding="utf-8"?>
+<a:theme xmlns:a="http://schemas.openxmlformats.org/drawingml/2006/main" name="Custom Design">
+  <a:themeElements>
+    <a:clrScheme name="Office">
+      <a:dk1>
+        <a:sysClr val="windowText" lastClr="000000"/>
+      </a:dk1>
+      <a:lt1>
+        <a:sysClr val="window" lastClr="FFFFFF"/>
+      </a:lt1>
+      <a:dk2>
+        <a:srgbClr val="44546A"/>
+      </a:dk2>
+      <a:lt2>
+        <a:srgbClr val="E7E6E6"/>
+      </a:lt2>
+      <a:accent1>
+        <a:srgbClr val="4472C4"/>
+      </a:accent1>
+      <a:accent2>
+        <a:srgbClr val="ED7D31"/>
+      </a:accent2>
+      <a:accent3>
+        <a:srgbClr val="A5A5A5"/>
+      </a:accent3>
+      <a:accent4>
+        <a:srgbClr val="FFC000"/>
+      </a:accent4>
+      <a:accent5>
+        <a:srgbClr val="5B9BD5"/>
+      </a:accent5>
+      <a:accent6>
+        <a:srgbClr val="70AD47"/>
+      </a:accent6>
+      <a:hlink>
+        <a:srgbClr val="0563C1"/>
+      </a:hlink>
+      <a:folHlink>
+        <a:srgbClr val="954F72"/>
+      </a:folHlink>
+    </a:clrScheme>
+    <a:fontScheme name="Office">
+      <a:majorFont>
+        <a:latin typeface="Calibri Light" panose="020F0302020204030204"/>
+        <a:ea typeface=""/>
+        <a:cs typeface=""/>
+        <a:font script="Jpan" typeface="游ゴシック Light"/>
+        <a:font script="Hang" typeface="맑은 고딕"/>
+        <a:font script="Hans" typeface="等线 Light"/>
+        <a:font script="Hant" typeface="新細明體"/>
+        <a:font script="Arab" typeface="Times New Roman"/>
+        <a:font script="Hebr" typeface="Times New Roman"/>
+        <a:font script="Thai" typeface="Angsana New"/>
+        <a:font script="Ethi" typeface="Nyala"/>
+        <a:font script="Beng" typeface="Vrinda"/>
+        <a:font script="Gujr" typeface="Shruti"/>
+        <a:font script="Khmr" typeface="MoolBoran"/>
+        <a:font script="Knda" typeface="Tunga"/>
+        <a:font script="Guru" typeface="Raavi"/>
+        <a:font script="Cans" typeface="Euphemia"/>
+        <a:font script="Cher" typeface="Plantagenet Cherokee"/>
+        <a:font script="Yiii" typeface="Microsoft Yi Baiti"/>
+        <a:font script="Tibt" typeface="Microsoft Himalaya"/>
+        <a:font script="Thaa" typeface="MV Boli"/>
+        <a:font script="Deva" typeface="Mangal"/>
+        <a:font script="Telu" typeface="Gautami"/>
+        <a:font script="Taml" typeface="Latha"/>
+        <a:font script="Syrc" typeface="Estrangelo Edessa"/>
+        <a:font script="Orya" typeface="Kalinga"/>
+        <a:font script="Mlym" typeface="Kartika"/>
+        <a:font script="Laoo" typeface="DokChampa"/>
+        <a:font script="Sinh" typeface="Iskoola Pota"/>
+        <a:font script="Mong" typeface="Mongolian Baiti"/>
+        <a:font script="Viet" typeface="Times New Roman"/>
+        <a:font script="Uigh" typeface="Microsoft Uighur"/>
+        <a:font script="Geor" typeface="Sylfaen"/>
+        <a:font script="Armn" typeface="Arial"/>
+        <a:font script="Bugi" typeface="Leelawadee UI"/>
+        <a:font script="Bopo" typeface="Microsoft JhengHei"/>
+        <a:font script="Java" typeface="Javanese Text"/>
+        <a:font script="Lisu" typeface="Segoe UI"/>
+        <a:font script="Mymr" typeface="Myanmar Text"/>
+        <a:font script="Nkoo" typeface="Ebrima"/>
+        <a:font script="Olck" typeface="Nirmala UI"/>
+        <a:font script="Osma" typeface="Ebrima"/>
+        <a:font script="Phag" typeface="Phagspa"/>
+        <a:font script="Syrn" typeface="Estrangelo Edessa"/>
+        <a:font script="Syrj" typeface="Estrangelo Edessa"/>
+        <a:font script="Syre" typeface="Estrangelo Edessa"/>
+        <a:font script="Sora" typeface="Nirmala UI"/>
+        <a:font script="Tale" typeface="Microsoft Tai Le"/>
+        <a:font script="Talu" typeface="Microsoft New Tai Lue"/>
+        <a:font script="Tfng" typeface="Ebrima"/>
+      </a:majorFont>
+      <a:minorFont>
+        <a:latin typeface="Calibri" panose="020F0502020204030204"/>
+        <a:ea typeface=""/>
+        <a:cs typeface=""/>
+        <a:font script="Jpan" typeface="游ゴシック"/>
+        <a:font script="Hang" typeface="맑은 고딕"/>
+        <a:font script="Hans" typeface="等线"/>
+        <a:font script="Hant" typeface="新細明體"/>
+        <a:font script="Arab" typeface="Arial"/>
+        <a:font script="Hebr" typeface="Arial"/>
+        <a:font script="Thai" typeface="Cordia New"/>
+        <a:font script="Ethi" typeface="Nyala"/>
+        <a:font script="Beng" typeface="Vrinda"/>
+        <a:font script="Gujr" typeface="Shruti"/>
+        <a:font script="Khmr" typeface="DaunPenh"/>
+        <a:font script="Knda" typeface="Tunga"/>
+        <a:font script="Guru" typeface="Raavi"/>
+        <a:font script="Cans" typeface="Euphemia"/>
+        <a:font script="Cher" typeface="Plantagenet Cherokee"/>
+        <a:font script="Yiii" typeface="Microsoft Yi Baiti"/>
+        <a:font script="Tibt" typeface="Microsoft Himalaya"/>
+        <a:font script="Thaa" typeface="MV Boli"/>
+        <a:font script="Deva" typeface="Mangal"/>
+        <a:font script="Telu" typeface="Gautami"/>
+        <a:font script="Taml" typeface="Latha"/>
+        <a:font script="Syrc" typeface="Estrangelo Edessa"/>
+        <a:font script="Orya" typeface="Kalinga"/>
+        <a:font script="Mlym" typeface="Kartika"/>
+        <a:font script="Laoo" typeface="DokChampa"/>
+        <a:font script="Sinh" typeface="Iskoola Pota"/>
+        <a:font script="Mong" typeface="Mongolian Baiti"/>
+        <a:font script="Viet" typeface="Arial"/>
+        <a:font script="Uigh" typeface="Microsoft Uighur"/>
+        <a:font script="Geor" typeface="Sylfaen"/>
+        <a:font script="Armn" typeface="Arial"/>
+        <a:font script="Bugi" typeface="Leelawadee UI"/>
+        <a:font script="Bopo" typeface="Microsoft JhengHei"/>
+        <a:font script="Java" typeface="Javanese Text"/>
+        <a:font script="Lisu" typeface="Segoe UI"/>
+        <a:font script="Mymr" typeface="Myanmar Text"/>
+        <a:font script="Nkoo" typeface="Ebrima"/>
+        <a:font script="Olck" typeface="Nirmala UI"/>
+        <a:font script="Osma" typeface="Ebrima"/>
+        <a:font script="Phag" typeface="Phagspa"/>
+        <a:font script="Syrn" typeface="Estrangelo Edessa"/>
+        <a:font script="Syrj" typeface="Estrangelo Edessa"/>
+        <a:font script="Syre" typeface="Estrangelo Edessa"/>
+        <a:font script="Sora" typeface="Nirmala UI"/>
+        <a:font script="Tale" typeface="Microsoft Tai Le"/>
+        <a:font script="Talu" typeface="Microsoft New Tai Lue"/>
+        <a:font script="Tfng" typeface="Ebrima"/>
+      </a:minorFont>
+    </a:fontScheme>
+    <a:fmtScheme name="Office">
+      <a:fillStyleLst>
+        <a:solidFill>
+          <a:schemeClr val="phClr"/>
+        </a:solidFill>
+        <a:gradFill rotWithShape="1">
+          <a:gsLst>
+            <a:gs pos="0">
+              <a:schemeClr val="phClr">
+                <a:lumMod val="110000"/>
+                <a:satMod val="105000"/>
+                <a:tint val="67000"/>
+              </a:schemeClr>
+            </a:gs>
+            <a:gs pos="50000">
+              <a:schemeClr val="phClr">
+                <a:lumMod val="105000"/>
+                <a:satMod val="103000"/>
+                <a:tint val="73000"/>
+              </a:schemeClr>
+            </a:gs>
+            <a:gs pos="100000">
+              <a:schemeClr val="phClr">
+                <a:lumMod val="105000"/>
+                <a:satMod val="109000"/>
+                <a:tint val="81000"/>
+              </a:schemeClr>
+            </a:gs>
+          </a:gsLst>
+          <a:lin ang="5400000" scaled="0"/>
+        </a:gradFill>
+        <a:gradFill rotWithShape="1">
+          <a:gsLst>
+            <a:gs pos="0">
+              <a:schemeClr val="phClr">
+                <a:satMod val="103000"/>
+                <a:lumMod val="102000"/>
+                <a:tint val="94000"/>
+              </a:schemeClr>
+            </a:gs>
+            <a:gs pos="50000">
+              <a:schemeClr val="phClr">
+                <a:satMod val="110000"/>
+                <a:lumMod val="100000"/>
+                <a:shade val="100000"/>
+              </a:schemeClr>
+            </a:gs>
+            <a:gs pos="100000">
+              <a:schemeClr val="phClr">
+                <a:lumMod val="99000"/>
+                <a:satMod val="120000"/>
+                <a:shade val="78000"/>
+              </a:schemeClr>
+            </a:gs>
+          </a:gsLst>
+          <a:lin ang="5400000" scaled="0"/>
+        </a:gradFill>
+      </a:fillStyleLst>
+      <a:lnStyleLst>
+        <a:ln w="6350" cap="flat" cmpd="sng" algn="ctr">
+          <a:solidFill>
+            <a:schemeClr val="phClr"/>
+          </a:solidFill>
+          <a:prstDash val="solid"/>
+          <a:miter lim="800000"/>
+        </a:ln>
+        <a:ln w="12700" cap="flat" cmpd="sng" algn="ctr">
+          <a:solidFill>
+            <a:schemeClr val="phClr"/>
+          </a:solidFill>
+          <a:prstDash val="solid"/>
+          <a:miter lim="800000"/>
+        </a:ln>
+        <a:ln w="19050" cap="flat" cmpd="sng" algn="ctr">
+          <a:solidFill>
+            <a:schemeClr val="phClr"/>
+          </a:solidFill>
+          <a:prstDash val="solid"/>
+          <a:miter lim="800000"/>
+        </a:ln>
+      </a:lnStyleLst>
+      <a:effectStyleLst>
+        <a:effectStyle>
+          <a:effectLst/>
+        </a:effectStyle>
+        <a:effectStyle>
+          <a:effectLst/>
+        </a:effectStyle>
+        <a:effectStyle>
+          <a:effectLst>
+            <a:outerShdw blurRad="57150" dist="19050" dir="5400000" algn="ctr" rotWithShape="0">
+              <a:srgbClr val="000000">
+                <a:alpha val="63000"/>
+              </a:srgbClr>
+            </a:outerShdw>
+          </a:effectLst>
+        </a:effectStyle>
+      </a:effectStyleLst>
+      <a:bgFillStyleLst>
+        <a:solidFill>
+          <a:schemeClr val="phClr"/>
+        </a:solidFill>
+        <a:solidFill>
+          <a:schemeClr val="phClr">
+            <a:tint val="95000"/>
+            <a:satMod val="170000"/>
+          </a:schemeClr>
+        </a:solidFill>
+        <a:gradFill rotWithShape="1">
+          <a:gsLst>
+            <a:gs pos="0">
+              <a:schemeClr val="phClr">
+                <a:tint val="93000"/>
+                <a:satMod val="150000"/>
+                <a:shade val="98000"/>
+                <a:lumMod val="102000"/>
+              </a:schemeClr>
+            </a:gs>
+            <a:gs pos="50000">
+              <a:schemeClr val="phClr">
+                <a:tint val="98000"/>
+                <a:satMod val="130000"/>
+                <a:shade val="90000"/>
+                <a:lumMod val="103000"/>
+              </a:schemeClr>
+            </a:gs>
+            <a:gs pos="100000">
+              <a:schemeClr val="phClr">
+                <a:shade val="63000"/>
+                <a:satMod val="120000"/>
+              </a:schemeClr>
+            </a:gs>
+          </a:gsLst>
+          <a:lin ang="5400000" scaled="0"/>
+        </a:gradFill>
+      </a:bgFillStyleLst>
+    </a:fmtScheme>
+  </a:themeElements>
+  <a:objectDefaults/>
+  <a:extraClrSchemeLst/>
+  <a:extLst>
+    <a:ext uri="{05A4C25C-085E-4340-85A3-A5531E510DB2}">
+      <thm15:themeFamily xmlns:thm15="http://schemas.microsoft.com/office/thememl/2012/main" name="Office Theme" id="{62F939B6-93AF-4DB8-9C6B-D6C7DFDC589F}" vid="{4A3C46E8-61CC-4603-A589-7422A47A8E4A}"/>
+    </a:ext>
+  </a:extLst>
+</a:theme>
 </file>